--- a/web/g25/status/Status1.pptx
+++ b/web/g25/status/Status1.pptx
@@ -5,23 +5,24 @@
     <p:sldMasterId id="2147483648" r:id="rId1"/>
   </p:sldMasterIdLst>
   <p:notesMasterIdLst>
-    <p:notesMasterId r:id="rId13"/>
+    <p:notesMasterId r:id="rId14"/>
   </p:notesMasterIdLst>
   <p:handoutMasterIdLst>
-    <p:handoutMasterId r:id="rId14"/>
+    <p:handoutMasterId r:id="rId15"/>
   </p:handoutMasterIdLst>
   <p:sldIdLst>
     <p:sldId id="380" r:id="rId2"/>
     <p:sldId id="375" r:id="rId3"/>
-    <p:sldId id="387" r:id="rId4"/>
-    <p:sldId id="381" r:id="rId5"/>
-    <p:sldId id="382" r:id="rId6"/>
-    <p:sldId id="386" r:id="rId7"/>
-    <p:sldId id="388" r:id="rId8"/>
-    <p:sldId id="391" r:id="rId9"/>
-    <p:sldId id="389" r:id="rId10"/>
-    <p:sldId id="390" r:id="rId11"/>
-    <p:sldId id="383" r:id="rId12"/>
+    <p:sldId id="392" r:id="rId4"/>
+    <p:sldId id="387" r:id="rId5"/>
+    <p:sldId id="381" r:id="rId6"/>
+    <p:sldId id="382" r:id="rId7"/>
+    <p:sldId id="386" r:id="rId8"/>
+    <p:sldId id="388" r:id="rId9"/>
+    <p:sldId id="391" r:id="rId10"/>
+    <p:sldId id="389" r:id="rId11"/>
+    <p:sldId id="390" r:id="rId12"/>
+    <p:sldId id="383" r:id="rId13"/>
   </p:sldIdLst>
   <p:sldSz cx="9144000" cy="6858000" type="screen4x3"/>
   <p:notesSz cx="7099300" cy="10234613"/>
@@ -157,6 +158,7 @@
           <p14:sldIdLst>
             <p14:sldId id="380"/>
             <p14:sldId id="375"/>
+            <p14:sldId id="392"/>
             <p14:sldId id="387"/>
             <p14:sldId id="381"/>
             <p14:sldId id="382"/>
@@ -1745,7 +1747,7 @@
     </p:spTree>
     <p:extLst>
       <p:ext uri="{BB962C8B-B14F-4D97-AF65-F5344CB8AC3E}">
-        <p14:creationId xmlns:p14="http://schemas.microsoft.com/office/powerpoint/2010/main" val="2332812006"/>
+        <p14:creationId xmlns:p14="http://schemas.microsoft.com/office/powerpoint/2010/main" val="4022501094"/>
       </p:ext>
     </p:extLst>
   </p:cSld>
@@ -1947,6 +1949,283 @@
                 </a:spcBef>
               </a:pPr>
               <a:t>11</a:t>
+            </a:fld>
+            <a:endParaRPr lang="da-DK" altLang="da-DK" sz="1300">
+              <a:solidFill>
+                <a:srgbClr val="CC0000"/>
+              </a:solidFill>
+            </a:endParaRPr>
+          </a:p>
+        </p:txBody>
+      </p:sp>
+      <p:sp>
+        <p:nvSpPr>
+          <p:cNvPr id="22531" name="Rectangle 2"/>
+          <p:cNvSpPr>
+            <a:spLocks noGrp="1" noRot="1" noChangeAspect="1" noChangeArrowheads="1" noTextEdit="1"/>
+          </p:cNvSpPr>
+          <p:nvPr>
+            <p:ph type="sldImg"/>
+          </p:nvPr>
+        </p:nvSpPr>
+        <p:spPr>
+          <a:xfrm>
+            <a:off x="992188" y="768350"/>
+            <a:ext cx="5114925" cy="3836988"/>
+          </a:xfrm>
+          <a:ln/>
+        </p:spPr>
+      </p:sp>
+      <p:sp>
+        <p:nvSpPr>
+          <p:cNvPr id="22532" name="Rectangle 3"/>
+          <p:cNvSpPr>
+            <a:spLocks noGrp="1" noChangeArrowheads="1"/>
+          </p:cNvSpPr>
+          <p:nvPr>
+            <p:ph type="body" idx="1"/>
+          </p:nvPr>
+        </p:nvSpPr>
+        <p:spPr>
+          <a:noFill/>
+          <a:ln/>
+          <a:extLst>
+            <a:ext uri="{909E8E84-426E-40DD-AFC4-6F175D3DCCD1}">
+              <a14:hiddenFill xmlns:a14="http://schemas.microsoft.com/office/drawing/2010/main">
+                <a:solidFill>
+                  <a:srgbClr val="FFFFFF"/>
+                </a:solidFill>
+              </a14:hiddenFill>
+            </a:ext>
+            <a:ext uri="{91240B29-F687-4F45-9708-019B960494DF}">
+              <a14:hiddenLine xmlns:a14="http://schemas.microsoft.com/office/drawing/2010/main" w="9525">
+                <a:solidFill>
+                  <a:srgbClr val="000000"/>
+                </a:solidFill>
+                <a:miter lim="800000"/>
+                <a:headEnd/>
+                <a:tailEnd/>
+              </a14:hiddenLine>
+            </a:ext>
+          </a:extLst>
+        </p:spPr>
+        <p:txBody>
+          <a:bodyPr/>
+          <a:lstStyle/>
+          <a:p>
+            <a:pPr eaLnBrk="1" hangingPunct="1"/>
+            <a:endParaRPr lang="en-US" altLang="da-DK" smtClean="0">
+              <a:latin typeface="Times New Roman" pitchFamily="18" charset="0"/>
+              <a:ea typeface="ＭＳ Ｐゴシック" pitchFamily="34" charset="-128"/>
+            </a:endParaRPr>
+          </a:p>
+        </p:txBody>
+      </p:sp>
+    </p:spTree>
+    <p:extLst>
+      <p:ext uri="{BB962C8B-B14F-4D97-AF65-F5344CB8AC3E}">
+        <p14:creationId xmlns:p14="http://schemas.microsoft.com/office/powerpoint/2010/main" val="2332812006"/>
+      </p:ext>
+    </p:extLst>
+  </p:cSld>
+  <p:clrMapOvr>
+    <a:masterClrMapping/>
+  </p:clrMapOvr>
+</p:notes>
+</file>
+
+<file path=ppt/notesSlides/notesSlide12.xml><?xml version="1.0" encoding="utf-8"?>
+<p:notes xmlns:a="http://schemas.openxmlformats.org/drawingml/2006/main" xmlns:r="http://schemas.openxmlformats.org/officeDocument/2006/relationships" xmlns:p="http://schemas.openxmlformats.org/presentationml/2006/main">
+  <p:cSld>
+    <p:spTree>
+      <p:nvGrpSpPr>
+        <p:cNvPr id="1" name=""/>
+        <p:cNvGrpSpPr/>
+        <p:nvPr/>
+      </p:nvGrpSpPr>
+      <p:grpSpPr>
+        <a:xfrm>
+          <a:off x="0" y="0"/>
+          <a:ext cx="0" cy="0"/>
+          <a:chOff x="0" y="0"/>
+          <a:chExt cx="0" cy="0"/>
+        </a:xfrm>
+      </p:grpSpPr>
+      <p:sp>
+        <p:nvSpPr>
+          <p:cNvPr id="22530" name="Rectangle 7"/>
+          <p:cNvSpPr>
+            <a:spLocks noGrp="1" noChangeArrowheads="1"/>
+          </p:cNvSpPr>
+          <p:nvPr>
+            <p:ph type="sldNum" sz="quarter" idx="5"/>
+          </p:nvPr>
+        </p:nvSpPr>
+        <p:spPr>
+          <a:noFill/>
+          <a:ln/>
+          <a:extLst>
+            <a:ext uri="{909E8E84-426E-40DD-AFC4-6F175D3DCCD1}">
+              <a14:hiddenFill xmlns:a14="http://schemas.microsoft.com/office/drawing/2010/main">
+                <a:solidFill>
+                  <a:srgbClr val="FFFFFF"/>
+                </a:solidFill>
+              </a14:hiddenFill>
+            </a:ext>
+            <a:ext uri="{91240B29-F687-4F45-9708-019B960494DF}">
+              <a14:hiddenLine xmlns:a14="http://schemas.microsoft.com/office/drawing/2010/main" w="9525">
+                <a:solidFill>
+                  <a:srgbClr val="000000"/>
+                </a:solidFill>
+                <a:miter lim="800000"/>
+                <a:headEnd/>
+                <a:tailEnd/>
+              </a14:hiddenLine>
+            </a:ext>
+          </a:extLst>
+        </p:spPr>
+        <p:txBody>
+          <a:bodyPr/>
+          <a:lstStyle>
+            <a:lvl1pPr defTabSz="990528" eaLnBrk="0" hangingPunct="0">
+              <a:spcBef>
+                <a:spcPct val="30000"/>
+              </a:spcBef>
+              <a:defRPr sz="1200">
+                <a:solidFill>
+                  <a:schemeClr val="tx1"/>
+                </a:solidFill>
+                <a:latin typeface="Times New Roman" pitchFamily="18" charset="0"/>
+                <a:ea typeface="ＭＳ Ｐゴシック" pitchFamily="34" charset="-128"/>
+              </a:defRPr>
+            </a:lvl1pPr>
+            <a:lvl2pPr marL="742897" indent="-285730" defTabSz="990528" eaLnBrk="0" hangingPunct="0">
+              <a:spcBef>
+                <a:spcPct val="30000"/>
+              </a:spcBef>
+              <a:defRPr sz="1200">
+                <a:solidFill>
+                  <a:schemeClr val="tx1"/>
+                </a:solidFill>
+                <a:latin typeface="Times New Roman" pitchFamily="18" charset="0"/>
+                <a:ea typeface="ＭＳ Ｐゴシック" pitchFamily="34" charset="-128"/>
+              </a:defRPr>
+            </a:lvl2pPr>
+            <a:lvl3pPr marL="1142918" indent="-228584" defTabSz="990528" eaLnBrk="0" hangingPunct="0">
+              <a:spcBef>
+                <a:spcPct val="30000"/>
+              </a:spcBef>
+              <a:defRPr sz="1200">
+                <a:solidFill>
+                  <a:schemeClr val="tx1"/>
+                </a:solidFill>
+                <a:latin typeface="Times New Roman" pitchFamily="18" charset="0"/>
+                <a:ea typeface="ＭＳ Ｐゴシック" pitchFamily="34" charset="-128"/>
+              </a:defRPr>
+            </a:lvl3pPr>
+            <a:lvl4pPr marL="1600085" indent="-228584" defTabSz="990528" eaLnBrk="0" hangingPunct="0">
+              <a:spcBef>
+                <a:spcPct val="30000"/>
+              </a:spcBef>
+              <a:defRPr sz="1200">
+                <a:solidFill>
+                  <a:schemeClr val="tx1"/>
+                </a:solidFill>
+                <a:latin typeface="Times New Roman" pitchFamily="18" charset="0"/>
+                <a:ea typeface="ＭＳ Ｐゴシック" pitchFamily="34" charset="-128"/>
+              </a:defRPr>
+            </a:lvl4pPr>
+            <a:lvl5pPr marL="2057252" indent="-228584" defTabSz="990528" eaLnBrk="0" hangingPunct="0">
+              <a:spcBef>
+                <a:spcPct val="30000"/>
+              </a:spcBef>
+              <a:defRPr sz="1200">
+                <a:solidFill>
+                  <a:schemeClr val="tx1"/>
+                </a:solidFill>
+                <a:latin typeface="Times New Roman" pitchFamily="18" charset="0"/>
+                <a:ea typeface="ＭＳ Ｐゴシック" pitchFamily="34" charset="-128"/>
+              </a:defRPr>
+            </a:lvl5pPr>
+            <a:lvl6pPr marL="2514419" indent="-228584" defTabSz="990528" eaLnBrk="0" fontAlgn="base" hangingPunct="0">
+              <a:spcBef>
+                <a:spcPct val="30000"/>
+              </a:spcBef>
+              <a:spcAft>
+                <a:spcPct val="0"/>
+              </a:spcAft>
+              <a:defRPr sz="1200">
+                <a:solidFill>
+                  <a:schemeClr val="tx1"/>
+                </a:solidFill>
+                <a:latin typeface="Times New Roman" pitchFamily="18" charset="0"/>
+                <a:ea typeface="ＭＳ Ｐゴシック" pitchFamily="34" charset="-128"/>
+              </a:defRPr>
+            </a:lvl6pPr>
+            <a:lvl7pPr marL="2971585" indent="-228584" defTabSz="990528" eaLnBrk="0" fontAlgn="base" hangingPunct="0">
+              <a:spcBef>
+                <a:spcPct val="30000"/>
+              </a:spcBef>
+              <a:spcAft>
+                <a:spcPct val="0"/>
+              </a:spcAft>
+              <a:defRPr sz="1200">
+                <a:solidFill>
+                  <a:schemeClr val="tx1"/>
+                </a:solidFill>
+                <a:latin typeface="Times New Roman" pitchFamily="18" charset="0"/>
+                <a:ea typeface="ＭＳ Ｐゴシック" pitchFamily="34" charset="-128"/>
+              </a:defRPr>
+            </a:lvl7pPr>
+            <a:lvl8pPr marL="3428752" indent="-228584" defTabSz="990528" eaLnBrk="0" fontAlgn="base" hangingPunct="0">
+              <a:spcBef>
+                <a:spcPct val="30000"/>
+              </a:spcBef>
+              <a:spcAft>
+                <a:spcPct val="0"/>
+              </a:spcAft>
+              <a:defRPr sz="1200">
+                <a:solidFill>
+                  <a:schemeClr val="tx1"/>
+                </a:solidFill>
+                <a:latin typeface="Times New Roman" pitchFamily="18" charset="0"/>
+                <a:ea typeface="ＭＳ Ｐゴシック" pitchFamily="34" charset="-128"/>
+              </a:defRPr>
+            </a:lvl8pPr>
+            <a:lvl9pPr marL="3885919" indent="-228584" defTabSz="990528" eaLnBrk="0" fontAlgn="base" hangingPunct="0">
+              <a:spcBef>
+                <a:spcPct val="30000"/>
+              </a:spcBef>
+              <a:spcAft>
+                <a:spcPct val="0"/>
+              </a:spcAft>
+              <a:defRPr sz="1200">
+                <a:solidFill>
+                  <a:schemeClr val="tx1"/>
+                </a:solidFill>
+                <a:latin typeface="Times New Roman" pitchFamily="18" charset="0"/>
+                <a:ea typeface="ＭＳ Ｐゴシック" pitchFamily="34" charset="-128"/>
+              </a:defRPr>
+            </a:lvl9pPr>
+          </a:lstStyle>
+          <a:p>
+            <a:pPr eaLnBrk="1" hangingPunct="1">
+              <a:spcBef>
+                <a:spcPct val="0"/>
+              </a:spcBef>
+            </a:pPr>
+            <a:fld id="{392CB419-FA32-4238-A473-EBED58FF00DE}" type="slidenum">
+              <a:rPr lang="da-DK" altLang="da-DK" sz="1300">
+                <a:solidFill>
+                  <a:srgbClr val="CC0000"/>
+                </a:solidFill>
+              </a:rPr>
+              <a:pPr eaLnBrk="1" hangingPunct="1">
+                <a:spcBef>
+                  <a:spcPct val="0"/>
+                </a:spcBef>
+              </a:pPr>
+              <a:t>12</a:t>
             </a:fld>
             <a:endParaRPr lang="da-DK" altLang="da-DK" sz="1300">
               <a:solidFill>
@@ -2576,7 +2855,7 @@
     </p:spTree>
     <p:extLst>
       <p:ext uri="{BB962C8B-B14F-4D97-AF65-F5344CB8AC3E}">
-        <p14:creationId xmlns:p14="http://schemas.microsoft.com/office/powerpoint/2010/main" val="2487174094"/>
+        <p14:creationId xmlns:p14="http://schemas.microsoft.com/office/powerpoint/2010/main" val="1250375600"/>
       </p:ext>
     </p:extLst>
   </p:cSld>
@@ -2853,7 +3132,7 @@
     </p:spTree>
     <p:extLst>
       <p:ext uri="{BB962C8B-B14F-4D97-AF65-F5344CB8AC3E}">
-        <p14:creationId xmlns:p14="http://schemas.microsoft.com/office/powerpoint/2010/main" val="3203405648"/>
+        <p14:creationId xmlns:p14="http://schemas.microsoft.com/office/powerpoint/2010/main" val="2487174094"/>
       </p:ext>
     </p:extLst>
   </p:cSld>
@@ -3130,7 +3409,7 @@
     </p:spTree>
     <p:extLst>
       <p:ext uri="{BB962C8B-B14F-4D97-AF65-F5344CB8AC3E}">
-        <p14:creationId xmlns:p14="http://schemas.microsoft.com/office/powerpoint/2010/main" val="968998527"/>
+        <p14:creationId xmlns:p14="http://schemas.microsoft.com/office/powerpoint/2010/main" val="3203405648"/>
       </p:ext>
     </p:extLst>
   </p:cSld>
@@ -3407,7 +3686,7 @@
     </p:spTree>
     <p:extLst>
       <p:ext uri="{BB962C8B-B14F-4D97-AF65-F5344CB8AC3E}">
-        <p14:creationId xmlns:p14="http://schemas.microsoft.com/office/powerpoint/2010/main" val="1312808354"/>
+        <p14:creationId xmlns:p14="http://schemas.microsoft.com/office/powerpoint/2010/main" val="968998527"/>
       </p:ext>
     </p:extLst>
   </p:cSld>
@@ -3684,7 +3963,7 @@
     </p:spTree>
     <p:extLst>
       <p:ext uri="{BB962C8B-B14F-4D97-AF65-F5344CB8AC3E}">
-        <p14:creationId xmlns:p14="http://schemas.microsoft.com/office/powerpoint/2010/main" val="697531377"/>
+        <p14:creationId xmlns:p14="http://schemas.microsoft.com/office/powerpoint/2010/main" val="1312808354"/>
       </p:ext>
     </p:extLst>
   </p:cSld>
@@ -3961,7 +4240,7 @@
     </p:spTree>
     <p:extLst>
       <p:ext uri="{BB962C8B-B14F-4D97-AF65-F5344CB8AC3E}">
-        <p14:creationId xmlns:p14="http://schemas.microsoft.com/office/powerpoint/2010/main" val="4098951095"/>
+        <p14:creationId xmlns:p14="http://schemas.microsoft.com/office/powerpoint/2010/main" val="697531377"/>
       </p:ext>
     </p:extLst>
   </p:cSld>
@@ -4238,7 +4517,7 @@
     </p:spTree>
     <p:extLst>
       <p:ext uri="{BB962C8B-B14F-4D97-AF65-F5344CB8AC3E}">
-        <p14:creationId xmlns:p14="http://schemas.microsoft.com/office/powerpoint/2010/main" val="4022501094"/>
+        <p14:creationId xmlns:p14="http://schemas.microsoft.com/office/powerpoint/2010/main" val="4098951095"/>
       </p:ext>
     </p:extLst>
   </p:cSld>
@@ -5994,7 +6273,7 @@
         <p:spPr bwMode="auto">
           <a:xfrm>
             <a:off x="480723" y="1124744"/>
-            <a:ext cx="8663277" cy="3096344"/>
+            <a:ext cx="8663277" cy="2736304"/>
           </a:xfrm>
           <a:prstGeom prst="rect">
             <a:avLst/>
@@ -6208,11 +6487,7 @@
             </a:pPr>
             <a:r>
               <a:rPr lang="da-DK" sz="1600" dirty="0" smtClean="0"/>
-              <a:t>12.30 </a:t>
-            </a:r>
-            <a:r>
-              <a:rPr lang="da-DK" sz="1600" dirty="0" smtClean="0"/>
-              <a:t>Frokostpause</a:t>
+              <a:t>12.30 Frokostpause</a:t>
             </a:r>
           </a:p>
           <a:p>
@@ -6234,26 +6509,7 @@
             </a:pPr>
             <a:r>
               <a:rPr lang="da-DK" sz="1600" dirty="0" smtClean="0"/>
-              <a:t>15.00 </a:t>
-            </a:r>
-            <a:r>
-              <a:rPr lang="da-DK" sz="1600" dirty="0"/>
-              <a:t>Check af BlueJ installation og mailopsætning</a:t>
-            </a:r>
-          </a:p>
-          <a:p>
-            <a:pPr marL="742950" lvl="1" indent="-285750">
-              <a:spcBef>
-                <a:spcPts val="600"/>
-              </a:spcBef>
-            </a:pPr>
-            <a:r>
-              <a:rPr lang="da-DK" sz="1600" dirty="0" smtClean="0"/>
-              <a:t>15.15 </a:t>
-            </a:r>
-            <a:r>
-              <a:rPr lang="da-DK" sz="1600" dirty="0" smtClean="0"/>
-              <a:t>Øvelser omkring afleveringsopgaven Raflebæger 1</a:t>
+              <a:t>15.15 Øvelser omkring afleveringsopgaven Raflebæger 1</a:t>
             </a:r>
           </a:p>
           <a:p>
@@ -6357,8 +6613,8 @@
         </p:nvSpPr>
         <p:spPr bwMode="auto">
           <a:xfrm>
-            <a:off x="611560" y="4397879"/>
-            <a:ext cx="5760639" cy="1839433"/>
+            <a:off x="611560" y="3933056"/>
+            <a:ext cx="5760639" cy="2265024"/>
           </a:xfrm>
           <a:prstGeom prst="rect">
             <a:avLst/>
@@ -6589,23 +6845,7 @@
             </a:r>
             <a:r>
               <a:rPr lang="en-US" sz="1600" dirty="0" smtClean="0"/>
-              <a:t>9781292159041 og </a:t>
-            </a:r>
-            <a:r>
-              <a:rPr lang="en-US" sz="1600" dirty="0" err="1" smtClean="0"/>
-              <a:t>koster</a:t>
-            </a:r>
-            <a:r>
-              <a:rPr lang="en-US" sz="1600" dirty="0" smtClean="0"/>
-              <a:t> 630 </a:t>
-            </a:r>
-            <a:r>
-              <a:rPr lang="en-US" sz="1600" dirty="0" err="1" smtClean="0"/>
-              <a:t>kr</a:t>
-            </a:r>
-            <a:r>
-              <a:rPr lang="en-US" sz="1600" dirty="0" smtClean="0"/>
-              <a:t> (-10% rabat)</a:t>
+              <a:t>9781292159041</a:t>
             </a:r>
           </a:p>
           <a:p>
@@ -6804,7 +7044,7 @@
         <p:spPr bwMode="auto">
           <a:xfrm>
             <a:off x="459225" y="260349"/>
-            <a:ext cx="8577271" cy="682625"/>
+            <a:ext cx="8505263" cy="682625"/>
           </a:xfrm>
           <a:prstGeom prst="rect">
             <a:avLst/>
@@ -6977,7 +7217,7 @@
             <a:pPr marL="271463" indent="-271463"/>
             <a:r>
               <a:rPr lang="da-DK" altLang="da-DK" sz="2800" dirty="0" smtClean="0"/>
-              <a:t>Evaluering af dagens seminar</a:t>
+              <a:t>Virtuel studiecafé</a:t>
             </a:r>
             <a:endParaRPr lang="da-DK" altLang="da-DK" sz="2800" dirty="0"/>
           </a:p>
@@ -6993,8 +7233,8 @@
         </p:nvSpPr>
         <p:spPr bwMode="auto">
           <a:xfrm>
-            <a:off x="459225" y="1052736"/>
-            <a:ext cx="8352928" cy="2160240"/>
+            <a:off x="607400" y="1124744"/>
+            <a:ext cx="8496944" cy="5733256"/>
           </a:xfrm>
           <a:prstGeom prst="rect">
             <a:avLst/>
@@ -7165,44 +7405,120 @@
               <a:buChar char="•"/>
             </a:pPr>
             <a:r>
-              <a:rPr lang="da-DK" altLang="da-DK" sz="1800" b="1" spc="-40" dirty="0" smtClean="0">
+              <a:rPr lang="da-DK" sz="1800" b="1" spc="-40" dirty="0" smtClean="0">
                 <a:solidFill>
                   <a:srgbClr val="A50021"/>
                 </a:solidFill>
               </a:rPr>
-              <a:t>Er </a:t>
-            </a:r>
-            <a:r>
-              <a:rPr lang="da-DK" altLang="da-DK" sz="1800" b="1" spc="-40" dirty="0">
+              <a:t>De </a:t>
+            </a:r>
+            <a:r>
+              <a:rPr lang="da-DK" sz="1800" b="1" spc="-40" dirty="0">
                 <a:solidFill>
                   <a:srgbClr val="A50021"/>
                 </a:solidFill>
               </a:rPr>
-              <a:t>der nogen der har forslag til forbedringer af den </a:t>
-            </a:r>
-            <a:r>
-              <a:rPr lang="da-DK" altLang="da-DK" sz="1800" b="1" spc="-40" dirty="0" smtClean="0">
+              <a:t>fredage, hvor der ikke er heldagsseminarer vil der være en virtuel studiecafé, hvor I via Zoom kan få hjælp fra en af instruktorerne.</a:t>
+            </a:r>
+          </a:p>
+          <a:p>
+            <a:pPr marL="742950" lvl="1" indent="-285750">
+              <a:spcBef>
+                <a:spcPts val="600"/>
+              </a:spcBef>
+            </a:pPr>
+            <a:r>
+              <a:rPr lang="da-DK" sz="1600" dirty="0"/>
+              <a:t>I finder et link til det Zoom møderum, der bruges, ved at trykke på Zoom indgangen i den vanderette blå bjælke øverst på denne side. </a:t>
+            </a:r>
+          </a:p>
+          <a:p>
+            <a:pPr marL="742950" lvl="1" indent="-285750">
+              <a:spcBef>
+                <a:spcPts val="600"/>
+              </a:spcBef>
+            </a:pPr>
+            <a:r>
+              <a:rPr lang="da-DK" sz="1600" dirty="0" smtClean="0"/>
+              <a:t>Bemærk</a:t>
+            </a:r>
+            <a:r>
+              <a:rPr lang="da-DK" sz="1600" dirty="0"/>
+              <a:t>, at I SKAL logge på AU’s Zoom installation, som beskrevet i vejledningens punkt 2. I skal altid logge ind ved at trykke på </a:t>
+            </a:r>
+            <a:r>
+              <a:rPr lang="da-DK" sz="1600" dirty="0" err="1"/>
+              <a:t>SSO</a:t>
+            </a:r>
+            <a:r>
+              <a:rPr lang="da-DK" sz="1600" dirty="0"/>
+              <a:t>-knappen.</a:t>
+            </a:r>
+          </a:p>
+          <a:p>
+            <a:pPr marL="742950" lvl="1" indent="-285750">
+              <a:spcBef>
+                <a:spcPts val="600"/>
+              </a:spcBef>
+            </a:pPr>
+            <a:r>
+              <a:rPr lang="da-DK" sz="1600" dirty="0"/>
+              <a:t>Man skal ikke tilmeldes. I dukker blot op på Zoom, hvis I ønsker at deltage.</a:t>
+            </a:r>
+          </a:p>
+          <a:p>
+            <a:pPr marL="742950" lvl="1" indent="-285750">
+              <a:spcBef>
+                <a:spcPts val="600"/>
+              </a:spcBef>
+            </a:pPr>
+            <a:r>
+              <a:rPr lang="da-DK" sz="1600" smtClean="0"/>
+              <a:t>Vi </a:t>
+            </a:r>
+            <a:r>
+              <a:rPr lang="da-DK" sz="1600" dirty="0" smtClean="0"/>
+              <a:t>starter kl. 15.30 og fortsætter frem til ca. 17.00</a:t>
+            </a:r>
+          </a:p>
+          <a:p>
+            <a:pPr marL="742950" lvl="1" indent="-285750">
+              <a:spcBef>
+                <a:spcPts val="600"/>
+              </a:spcBef>
+            </a:pPr>
+            <a:r>
+              <a:rPr lang="da-DK" sz="1600" dirty="0" smtClean="0"/>
+              <a:t>Kom </a:t>
+            </a:r>
+            <a:r>
+              <a:rPr lang="da-DK" sz="1600" dirty="0"/>
+              <a:t>så tidligt som </a:t>
+            </a:r>
+            <a:r>
+              <a:rPr lang="da-DK" sz="1600" dirty="0" smtClean="0"/>
+              <a:t>muligt. Instruktoren </a:t>
+            </a:r>
+            <a:r>
+              <a:rPr lang="da-DK" sz="1600" dirty="0"/>
+              <a:t>går, når der ikke er flere, der ønsker hjælp.</a:t>
+            </a:r>
+          </a:p>
+          <a:p>
+            <a:pPr marL="271463" lvl="1" indent="-271463">
+              <a:spcBef>
+                <a:spcPts val="1800"/>
+              </a:spcBef>
+              <a:buFontTx/>
+              <a:buChar char="•"/>
+            </a:pPr>
+            <a:r>
+              <a:rPr lang="da-DK" sz="1800" b="1" spc="-40" dirty="0">
                 <a:solidFill>
                   <a:srgbClr val="A50021"/>
                 </a:solidFill>
               </a:rPr>
-              <a:t>måde, som </a:t>
-            </a:r>
-            <a:r>
-              <a:rPr lang="da-DK" altLang="da-DK" sz="1800" b="1" spc="-40" dirty="0">
-                <a:solidFill>
-                  <a:srgbClr val="A50021"/>
-                </a:solidFill>
-              </a:rPr>
-              <a:t>vi afvikler seminarerne </a:t>
-            </a:r>
-            <a:r>
-              <a:rPr lang="da-DK" altLang="da-DK" sz="1800" b="1" spc="-40" dirty="0" smtClean="0">
-                <a:solidFill>
-                  <a:srgbClr val="A50021"/>
-                </a:solidFill>
-              </a:rPr>
-              <a:t>på?</a:t>
+              <a:t>I kan også bruge Studiecaféen til at stille spørgsmål omkring:</a:t>
             </a:r>
           </a:p>
           <a:p>
@@ -7212,8 +7528,8 @@
               </a:spcBef>
             </a:pPr>
             <a:r>
-              <a:rPr lang="da-DK" altLang="da-DK" sz="1600" dirty="0" smtClean="0"/>
-              <a:t>Indhold, hastighed, teknisk afvikling, andet?</a:t>
+              <a:rPr lang="da-DK" sz="1600" dirty="0"/>
+              <a:t>Jeres tidligere afleveringer (og instruktorens kommentarerne til dem),</a:t>
             </a:r>
           </a:p>
           <a:p>
@@ -7223,38 +7539,24 @@
               </a:spcBef>
             </a:pPr>
             <a:r>
-              <a:rPr lang="da-DK" altLang="da-DK" sz="1600" dirty="0"/>
-              <a:t>Umiddelbare kommentarer er velkomne – men ellers </a:t>
-            </a:r>
-            <a:r>
-              <a:rPr lang="da-DK" altLang="da-DK" sz="1600" dirty="0" smtClean="0"/>
-              <a:t>skriv på diskussionsforummet, hvis I har ønsker til ændringer/forbedringer</a:t>
-            </a:r>
-          </a:p>
-          <a:p>
-            <a:pPr lvl="1">
+              <a:rPr lang="da-DK" sz="1600" dirty="0"/>
+              <a:t>BlueJ bogen og mine slides,</a:t>
+            </a:r>
+          </a:p>
+          <a:p>
+            <a:pPr marL="742950" lvl="1" indent="-285750">
               <a:spcBef>
                 <a:spcPts val="600"/>
               </a:spcBef>
-              <a:buNone/>
             </a:pPr>
-            <a:endParaRPr lang="da-DK" altLang="da-DK" sz="1600" dirty="0" smtClean="0"/>
-          </a:p>
-          <a:p>
-            <a:pPr marL="742950" lvl="1" indent="-285750">
-              <a:spcBef>
-                <a:spcPts val="600"/>
-              </a:spcBef>
-            </a:pPr>
-            <a:endParaRPr lang="da-DK" altLang="da-DK" sz="1600" dirty="0"/>
-          </a:p>
-          <a:p>
-            <a:pPr marL="742950" lvl="1" indent="-285750">
-              <a:spcBef>
-                <a:spcPts val="600"/>
-              </a:spcBef>
-            </a:pPr>
-            <a:endParaRPr lang="da-DK" altLang="da-DK" sz="1600" dirty="0"/>
+            <a:r>
+              <a:rPr lang="da-DK" sz="1600" dirty="0" smtClean="0"/>
+              <a:t>Alt </a:t>
+            </a:r>
+            <a:r>
+              <a:rPr lang="da-DK" sz="1600" dirty="0"/>
+              <a:t>andet, som I har problemer med.</a:t>
+            </a:r>
           </a:p>
           <a:p>
             <a:pPr marL="742950" lvl="1" indent="-285750">
@@ -7264,14 +7566,14 @@
               <a:buFontTx/>
               <a:buChar char="–"/>
             </a:pPr>
-            <a:endParaRPr lang="da-DK" altLang="da-DK" sz="1600" dirty="0" smtClean="0"/>
+            <a:endParaRPr lang="da-DK" altLang="da-DK" sz="1600" dirty="0"/>
           </a:p>
         </p:txBody>
       </p:sp>
     </p:spTree>
     <p:extLst>
       <p:ext uri="{BB962C8B-B14F-4D97-AF65-F5344CB8AC3E}">
-        <p14:creationId xmlns:p14="http://schemas.microsoft.com/office/powerpoint/2010/main" val="4014854124"/>
+        <p14:creationId xmlns:p14="http://schemas.microsoft.com/office/powerpoint/2010/main" val="198881662"/>
       </p:ext>
     </p:extLst>
   </p:cSld>
@@ -7488,6 +7790,518 @@
           <a:p>
             <a:pPr marL="271463" indent="-271463"/>
             <a:r>
+              <a:rPr lang="da-DK" altLang="da-DK" sz="2800" dirty="0" smtClean="0"/>
+              <a:t>Evaluering af dagens seminar</a:t>
+            </a:r>
+            <a:endParaRPr lang="da-DK" altLang="da-DK" sz="2800" dirty="0"/>
+          </a:p>
+        </p:txBody>
+      </p:sp>
+      <p:sp>
+        <p:nvSpPr>
+          <p:cNvPr id="5" name="Content Placeholder 2"/>
+          <p:cNvSpPr txBox="1">
+            <a:spLocks/>
+          </p:cNvSpPr>
+          <p:nvPr/>
+        </p:nvSpPr>
+        <p:spPr bwMode="auto">
+          <a:xfrm>
+            <a:off x="459225" y="1052736"/>
+            <a:ext cx="8352928" cy="2160240"/>
+          </a:xfrm>
+          <a:prstGeom prst="rect">
+            <a:avLst/>
+          </a:prstGeom>
+          <a:noFill/>
+          <a:ln>
+            <a:noFill/>
+          </a:ln>
+          <a:extLst>
+            <a:ext uri="{909E8E84-426E-40DD-AFC4-6F175D3DCCD1}">
+              <a14:hiddenFill xmlns:a14="http://schemas.microsoft.com/office/drawing/2010/main">
+                <a:solidFill>
+                  <a:srgbClr val="FFFFFF"/>
+                </a:solidFill>
+              </a14:hiddenFill>
+            </a:ext>
+            <a:ext uri="{91240B29-F687-4F45-9708-019B960494DF}">
+              <a14:hiddenLine xmlns:a14="http://schemas.microsoft.com/office/drawing/2010/main" w="9525">
+                <a:solidFill>
+                  <a:srgbClr val="000000"/>
+                </a:solidFill>
+                <a:miter lim="800000"/>
+                <a:headEnd/>
+                <a:tailEnd/>
+              </a14:hiddenLine>
+            </a:ext>
+          </a:extLst>
+        </p:spPr>
+        <p:txBody>
+          <a:bodyPr/>
+          <a:lstStyle>
+            <a:lvl1pPr eaLnBrk="0" hangingPunct="0">
+              <a:spcBef>
+                <a:spcPct val="20000"/>
+              </a:spcBef>
+              <a:buChar char="•"/>
+              <a:defRPr sz="2400" b="1">
+                <a:solidFill>
+                  <a:srgbClr val="A50021"/>
+                </a:solidFill>
+                <a:latin typeface="Arial" pitchFamily="34" charset="0"/>
+                <a:ea typeface="ＭＳ Ｐゴシック" pitchFamily="34" charset="-128"/>
+              </a:defRPr>
+            </a:lvl1pPr>
+            <a:lvl2pPr eaLnBrk="0" hangingPunct="0">
+              <a:spcBef>
+                <a:spcPct val="20000"/>
+              </a:spcBef>
+              <a:buChar char="–"/>
+              <a:defRPr sz="2000">
+                <a:solidFill>
+                  <a:srgbClr val="000066"/>
+                </a:solidFill>
+                <a:latin typeface="Arial" pitchFamily="34" charset="0"/>
+                <a:ea typeface="ＭＳ Ｐゴシック" pitchFamily="34" charset="-128"/>
+              </a:defRPr>
+            </a:lvl2pPr>
+            <a:lvl3pPr eaLnBrk="0" hangingPunct="0">
+              <a:spcBef>
+                <a:spcPct val="20000"/>
+              </a:spcBef>
+              <a:buChar char="•"/>
+              <a:defRPr sz="1600">
+                <a:solidFill>
+                  <a:schemeClr val="tx1"/>
+                </a:solidFill>
+                <a:latin typeface="Arial" pitchFamily="34" charset="0"/>
+                <a:ea typeface="ＭＳ Ｐゴシック" pitchFamily="34" charset="-128"/>
+              </a:defRPr>
+            </a:lvl3pPr>
+            <a:lvl4pPr eaLnBrk="0" hangingPunct="0">
+              <a:spcBef>
+                <a:spcPct val="20000"/>
+              </a:spcBef>
+              <a:buChar char="–"/>
+              <a:defRPr sz="1600">
+                <a:solidFill>
+                  <a:schemeClr val="tx1"/>
+                </a:solidFill>
+                <a:latin typeface="Times New Roman" pitchFamily="18" charset="0"/>
+                <a:ea typeface="ＭＳ Ｐゴシック" pitchFamily="34" charset="-128"/>
+              </a:defRPr>
+            </a:lvl4pPr>
+            <a:lvl5pPr eaLnBrk="0" hangingPunct="0">
+              <a:spcBef>
+                <a:spcPct val="20000"/>
+              </a:spcBef>
+              <a:buChar char="»"/>
+              <a:defRPr sz="1200">
+                <a:solidFill>
+                  <a:schemeClr val="tx1"/>
+                </a:solidFill>
+                <a:latin typeface="Times New Roman" pitchFamily="18" charset="0"/>
+                <a:ea typeface="ＭＳ Ｐゴシック" pitchFamily="34" charset="-128"/>
+              </a:defRPr>
+            </a:lvl5pPr>
+            <a:lvl6pPr eaLnBrk="0" fontAlgn="base" hangingPunct="0">
+              <a:spcBef>
+                <a:spcPct val="20000"/>
+              </a:spcBef>
+              <a:spcAft>
+                <a:spcPct val="0"/>
+              </a:spcAft>
+              <a:buChar char="»"/>
+              <a:defRPr sz="1200">
+                <a:solidFill>
+                  <a:schemeClr val="tx1"/>
+                </a:solidFill>
+                <a:latin typeface="Times New Roman" pitchFamily="18" charset="0"/>
+                <a:ea typeface="ＭＳ Ｐゴシック" pitchFamily="34" charset="-128"/>
+              </a:defRPr>
+            </a:lvl6pPr>
+            <a:lvl7pPr eaLnBrk="0" fontAlgn="base" hangingPunct="0">
+              <a:spcBef>
+                <a:spcPct val="20000"/>
+              </a:spcBef>
+              <a:spcAft>
+                <a:spcPct val="0"/>
+              </a:spcAft>
+              <a:buChar char="»"/>
+              <a:defRPr sz="1200">
+                <a:solidFill>
+                  <a:schemeClr val="tx1"/>
+                </a:solidFill>
+                <a:latin typeface="Times New Roman" pitchFamily="18" charset="0"/>
+                <a:ea typeface="ＭＳ Ｐゴシック" pitchFamily="34" charset="-128"/>
+              </a:defRPr>
+            </a:lvl7pPr>
+            <a:lvl8pPr eaLnBrk="0" fontAlgn="base" hangingPunct="0">
+              <a:spcBef>
+                <a:spcPct val="20000"/>
+              </a:spcBef>
+              <a:spcAft>
+                <a:spcPct val="0"/>
+              </a:spcAft>
+              <a:buChar char="»"/>
+              <a:defRPr sz="1200">
+                <a:solidFill>
+                  <a:schemeClr val="tx1"/>
+                </a:solidFill>
+                <a:latin typeface="Times New Roman" pitchFamily="18" charset="0"/>
+                <a:ea typeface="ＭＳ Ｐゴシック" pitchFamily="34" charset="-128"/>
+              </a:defRPr>
+            </a:lvl8pPr>
+            <a:lvl9pPr eaLnBrk="0" fontAlgn="base" hangingPunct="0">
+              <a:spcBef>
+                <a:spcPct val="20000"/>
+              </a:spcBef>
+              <a:spcAft>
+                <a:spcPct val="0"/>
+              </a:spcAft>
+              <a:buChar char="»"/>
+              <a:defRPr sz="1200">
+                <a:solidFill>
+                  <a:schemeClr val="tx1"/>
+                </a:solidFill>
+                <a:latin typeface="Times New Roman" pitchFamily="18" charset="0"/>
+                <a:ea typeface="ＭＳ Ｐゴシック" pitchFamily="34" charset="-128"/>
+              </a:defRPr>
+            </a:lvl9pPr>
+          </a:lstStyle>
+          <a:p>
+            <a:pPr marL="271463" lvl="1" indent="-271463">
+              <a:spcBef>
+                <a:spcPts val="1800"/>
+              </a:spcBef>
+              <a:buFontTx/>
+              <a:buChar char="•"/>
+            </a:pPr>
+            <a:r>
+              <a:rPr lang="da-DK" altLang="da-DK" sz="1800" b="1" dirty="0" smtClean="0">
+                <a:solidFill>
+                  <a:srgbClr val="A50021"/>
+                </a:solidFill>
+              </a:rPr>
+              <a:t>Er </a:t>
+            </a:r>
+            <a:r>
+              <a:rPr lang="da-DK" altLang="da-DK" sz="1800" b="1" dirty="0">
+                <a:solidFill>
+                  <a:srgbClr val="A50021"/>
+                </a:solidFill>
+              </a:rPr>
+              <a:t>der nogen der har forslag til forbedringer af den </a:t>
+            </a:r>
+            <a:r>
+              <a:rPr lang="da-DK" altLang="da-DK" sz="1800" b="1" dirty="0" smtClean="0">
+                <a:solidFill>
+                  <a:srgbClr val="A50021"/>
+                </a:solidFill>
+              </a:rPr>
+              <a:t>måde, som </a:t>
+            </a:r>
+            <a:r>
+              <a:rPr lang="da-DK" altLang="da-DK" sz="1800" b="1" dirty="0">
+                <a:solidFill>
+                  <a:srgbClr val="A50021"/>
+                </a:solidFill>
+              </a:rPr>
+              <a:t>vi afvikler seminarerne </a:t>
+            </a:r>
+            <a:r>
+              <a:rPr lang="da-DK" altLang="da-DK" sz="1800" b="1" dirty="0" smtClean="0">
+                <a:solidFill>
+                  <a:srgbClr val="A50021"/>
+                </a:solidFill>
+              </a:rPr>
+              <a:t>på?</a:t>
+            </a:r>
+          </a:p>
+          <a:p>
+            <a:pPr marL="742950" lvl="1" indent="-285750">
+              <a:spcBef>
+                <a:spcPts val="600"/>
+              </a:spcBef>
+            </a:pPr>
+            <a:r>
+              <a:rPr lang="da-DK" altLang="da-DK" sz="1600" dirty="0" smtClean="0"/>
+              <a:t>Indhold, hastighed, teknisk afvikling, andet?</a:t>
+            </a:r>
+          </a:p>
+          <a:p>
+            <a:pPr marL="742950" lvl="1" indent="-285750">
+              <a:spcBef>
+                <a:spcPts val="600"/>
+              </a:spcBef>
+            </a:pPr>
+            <a:r>
+              <a:rPr lang="da-DK" altLang="da-DK" sz="1600" dirty="0"/>
+              <a:t>Umiddelbare kommentarer er velkomne – men ellers </a:t>
+            </a:r>
+            <a:r>
+              <a:rPr lang="da-DK" altLang="da-DK" sz="1600" dirty="0" smtClean="0"/>
+              <a:t>skriv på diskussionsforummet, hvis I har ønsker til ændringer/forbedringer</a:t>
+            </a:r>
+          </a:p>
+          <a:p>
+            <a:pPr lvl="1">
+              <a:spcBef>
+                <a:spcPts val="600"/>
+              </a:spcBef>
+              <a:buNone/>
+            </a:pPr>
+            <a:endParaRPr lang="da-DK" altLang="da-DK" sz="1600" dirty="0" smtClean="0"/>
+          </a:p>
+          <a:p>
+            <a:pPr marL="742950" lvl="1" indent="-285750">
+              <a:spcBef>
+                <a:spcPts val="600"/>
+              </a:spcBef>
+            </a:pPr>
+            <a:endParaRPr lang="da-DK" altLang="da-DK" sz="1600" dirty="0"/>
+          </a:p>
+          <a:p>
+            <a:pPr marL="742950" lvl="1" indent="-285750">
+              <a:spcBef>
+                <a:spcPts val="600"/>
+              </a:spcBef>
+            </a:pPr>
+            <a:endParaRPr lang="da-DK" altLang="da-DK" sz="1600" dirty="0"/>
+          </a:p>
+          <a:p>
+            <a:pPr marL="742950" lvl="1" indent="-285750">
+              <a:spcBef>
+                <a:spcPts val="600"/>
+              </a:spcBef>
+              <a:buFontTx/>
+              <a:buChar char="–"/>
+            </a:pPr>
+            <a:endParaRPr lang="da-DK" altLang="da-DK" sz="1600" dirty="0" smtClean="0"/>
+          </a:p>
+        </p:txBody>
+      </p:sp>
+    </p:spTree>
+    <p:extLst>
+      <p:ext uri="{BB962C8B-B14F-4D97-AF65-F5344CB8AC3E}">
+        <p14:creationId xmlns:p14="http://schemas.microsoft.com/office/powerpoint/2010/main" val="4014854124"/>
+      </p:ext>
+    </p:extLst>
+  </p:cSld>
+  <p:clrMapOvr>
+    <a:masterClrMapping/>
+  </p:clrMapOvr>
+  <p:timing>
+    <p:tnLst>
+      <p:par>
+        <p:cTn id="1" dur="indefinite" restart="never" nodeType="tmRoot"/>
+      </p:par>
+    </p:tnLst>
+  </p:timing>
+</p:sld>
+</file>
+
+<file path=ppt/slides/slide12.xml><?xml version="1.0" encoding="utf-8"?>
+<p:sld xmlns:a="http://schemas.openxmlformats.org/drawingml/2006/main" xmlns:r="http://schemas.openxmlformats.org/officeDocument/2006/relationships" xmlns:p="http://schemas.openxmlformats.org/presentationml/2006/main">
+  <p:cSld>
+    <p:spTree>
+      <p:nvGrpSpPr>
+        <p:cNvPr id="1" name=""/>
+        <p:cNvGrpSpPr/>
+        <p:nvPr/>
+      </p:nvGrpSpPr>
+      <p:grpSpPr>
+        <a:xfrm>
+          <a:off x="0" y="0"/>
+          <a:ext cx="0" cy="0"/>
+          <a:chOff x="0" y="0"/>
+          <a:chExt cx="0" cy="0"/>
+        </a:xfrm>
+      </p:grpSpPr>
+      <p:sp>
+        <p:nvSpPr>
+          <p:cNvPr id="4" name="Title 1"/>
+          <p:cNvSpPr txBox="1">
+            <a:spLocks/>
+          </p:cNvSpPr>
+          <p:nvPr/>
+        </p:nvSpPr>
+        <p:spPr bwMode="auto">
+          <a:xfrm>
+            <a:off x="459225" y="260349"/>
+            <a:ext cx="8577271" cy="682625"/>
+          </a:xfrm>
+          <a:prstGeom prst="rect">
+            <a:avLst/>
+          </a:prstGeom>
+          <a:noFill/>
+          <a:ln>
+            <a:noFill/>
+          </a:ln>
+          <a:extLst>
+            <a:ext uri="{909E8E84-426E-40DD-AFC4-6F175D3DCCD1}">
+              <a14:hiddenFill xmlns:a14="http://schemas.microsoft.com/office/drawing/2010/main">
+                <a:solidFill>
+                  <a:srgbClr val="FFFFFF"/>
+                </a:solidFill>
+              </a14:hiddenFill>
+            </a:ext>
+            <a:ext uri="{91240B29-F687-4F45-9708-019B960494DF}">
+              <a14:hiddenLine xmlns:a14="http://schemas.microsoft.com/office/drawing/2010/main" w="9525">
+                <a:solidFill>
+                  <a:srgbClr val="000000"/>
+                </a:solidFill>
+                <a:miter lim="800000"/>
+                <a:headEnd/>
+                <a:tailEnd/>
+              </a14:hiddenLine>
+            </a:ext>
+          </a:extLst>
+        </p:spPr>
+        <p:txBody>
+          <a:bodyPr anchor="ctr"/>
+          <a:lstStyle>
+            <a:lvl1pPr algn="l" rtl="0" eaLnBrk="0" fontAlgn="base" hangingPunct="0">
+              <a:spcBef>
+                <a:spcPct val="0"/>
+              </a:spcBef>
+              <a:spcAft>
+                <a:spcPct val="0"/>
+              </a:spcAft>
+              <a:defRPr sz="3600" b="1">
+                <a:solidFill>
+                  <a:srgbClr val="000066"/>
+                </a:solidFill>
+                <a:latin typeface="+mj-lt"/>
+                <a:ea typeface="ＭＳ Ｐゴシック" pitchFamily="-107" charset="-128"/>
+                <a:cs typeface="ＭＳ Ｐゴシック" pitchFamily="-107" charset="-128"/>
+              </a:defRPr>
+            </a:lvl1pPr>
+            <a:lvl2pPr algn="l" rtl="0" eaLnBrk="0" fontAlgn="base" hangingPunct="0">
+              <a:spcBef>
+                <a:spcPct val="0"/>
+              </a:spcBef>
+              <a:spcAft>
+                <a:spcPct val="0"/>
+              </a:spcAft>
+              <a:defRPr sz="3600" b="1">
+                <a:solidFill>
+                  <a:srgbClr val="000066"/>
+                </a:solidFill>
+                <a:latin typeface="Arial" charset="0"/>
+                <a:ea typeface="ＭＳ Ｐゴシック" pitchFamily="-107" charset="-128"/>
+                <a:cs typeface="ＭＳ Ｐゴシック" pitchFamily="-107" charset="-128"/>
+              </a:defRPr>
+            </a:lvl2pPr>
+            <a:lvl3pPr algn="l" rtl="0" eaLnBrk="0" fontAlgn="base" hangingPunct="0">
+              <a:spcBef>
+                <a:spcPct val="0"/>
+              </a:spcBef>
+              <a:spcAft>
+                <a:spcPct val="0"/>
+              </a:spcAft>
+              <a:defRPr sz="3600" b="1">
+                <a:solidFill>
+                  <a:srgbClr val="000066"/>
+                </a:solidFill>
+                <a:latin typeface="Arial" charset="0"/>
+                <a:ea typeface="ＭＳ Ｐゴシック" pitchFamily="-107" charset="-128"/>
+                <a:cs typeface="ＭＳ Ｐゴシック" pitchFamily="-107" charset="-128"/>
+              </a:defRPr>
+            </a:lvl3pPr>
+            <a:lvl4pPr algn="l" rtl="0" eaLnBrk="0" fontAlgn="base" hangingPunct="0">
+              <a:spcBef>
+                <a:spcPct val="0"/>
+              </a:spcBef>
+              <a:spcAft>
+                <a:spcPct val="0"/>
+              </a:spcAft>
+              <a:defRPr sz="3600" b="1">
+                <a:solidFill>
+                  <a:srgbClr val="000066"/>
+                </a:solidFill>
+                <a:latin typeface="Arial" charset="0"/>
+                <a:ea typeface="ＭＳ Ｐゴシック" pitchFamily="-107" charset="-128"/>
+                <a:cs typeface="ＭＳ Ｐゴシック" pitchFamily="-107" charset="-128"/>
+              </a:defRPr>
+            </a:lvl4pPr>
+            <a:lvl5pPr algn="l" rtl="0" eaLnBrk="0" fontAlgn="base" hangingPunct="0">
+              <a:spcBef>
+                <a:spcPct val="0"/>
+              </a:spcBef>
+              <a:spcAft>
+                <a:spcPct val="0"/>
+              </a:spcAft>
+              <a:defRPr sz="3600" b="1">
+                <a:solidFill>
+                  <a:srgbClr val="000066"/>
+                </a:solidFill>
+                <a:latin typeface="Arial" charset="0"/>
+                <a:ea typeface="ＭＳ Ｐゴシック" pitchFamily="-107" charset="-128"/>
+                <a:cs typeface="ＭＳ Ｐゴシック" pitchFamily="-107" charset="-128"/>
+              </a:defRPr>
+            </a:lvl5pPr>
+            <a:lvl6pPr marL="457200" algn="l" rtl="0" fontAlgn="base">
+              <a:spcBef>
+                <a:spcPct val="0"/>
+              </a:spcBef>
+              <a:spcAft>
+                <a:spcPct val="0"/>
+              </a:spcAft>
+              <a:defRPr sz="3600" b="1">
+                <a:solidFill>
+                  <a:srgbClr val="000066"/>
+                </a:solidFill>
+                <a:latin typeface="Arial" charset="0"/>
+              </a:defRPr>
+            </a:lvl6pPr>
+            <a:lvl7pPr marL="914400" algn="l" rtl="0" fontAlgn="base">
+              <a:spcBef>
+                <a:spcPct val="0"/>
+              </a:spcBef>
+              <a:spcAft>
+                <a:spcPct val="0"/>
+              </a:spcAft>
+              <a:defRPr sz="3600" b="1">
+                <a:solidFill>
+                  <a:srgbClr val="000066"/>
+                </a:solidFill>
+                <a:latin typeface="Arial" charset="0"/>
+              </a:defRPr>
+            </a:lvl7pPr>
+            <a:lvl8pPr marL="1371600" algn="l" rtl="0" fontAlgn="base">
+              <a:spcBef>
+                <a:spcPct val="0"/>
+              </a:spcBef>
+              <a:spcAft>
+                <a:spcPct val="0"/>
+              </a:spcAft>
+              <a:defRPr sz="3600" b="1">
+                <a:solidFill>
+                  <a:srgbClr val="000066"/>
+                </a:solidFill>
+                <a:latin typeface="Arial" charset="0"/>
+              </a:defRPr>
+            </a:lvl8pPr>
+            <a:lvl9pPr marL="1828800" algn="l" rtl="0" fontAlgn="base">
+              <a:spcBef>
+                <a:spcPct val="0"/>
+              </a:spcBef>
+              <a:spcAft>
+                <a:spcPct val="0"/>
+              </a:spcAft>
+              <a:defRPr sz="3600" b="1">
+                <a:solidFill>
+                  <a:srgbClr val="000066"/>
+                </a:solidFill>
+                <a:latin typeface="Arial" charset="0"/>
+              </a:defRPr>
+            </a:lvl9pPr>
+          </a:lstStyle>
+          <a:p>
+            <a:pPr marL="271463" indent="-271463"/>
+            <a:r>
               <a:rPr lang="da-DK" altLang="da-DK" sz="2800" dirty="0"/>
               <a:t>Nu går vi så i gang med </a:t>
             </a:r>
@@ -7681,20 +8495,12 @@
               <a:buChar char="•"/>
             </a:pPr>
             <a:r>
-              <a:rPr lang="da-DK" altLang="da-DK" sz="1800" b="1" spc="-40" dirty="0" smtClean="0">
+              <a:rPr lang="da-DK" altLang="da-DK" sz="1800" b="1" dirty="0" smtClean="0">
                 <a:solidFill>
                   <a:srgbClr val="A50021"/>
                 </a:solidFill>
               </a:rPr>
-              <a:t>Først vil instruktorerne sikre sig, </a:t>
-            </a:r>
-            <a:r>
-              <a:rPr lang="da-DK" altLang="da-DK" sz="1800" b="1" spc="-40" dirty="0" smtClean="0">
-                <a:solidFill>
-                  <a:srgbClr val="A50021"/>
-                </a:solidFill>
-              </a:rPr>
-              <a:t>at I alle</a:t>
+              <a:t>Først vil instruktorerne sikre sig, at I alle</a:t>
             </a:r>
           </a:p>
           <a:p>
@@ -7741,11 +8547,7 @@
             </a:pPr>
             <a:r>
               <a:rPr lang="da-DK" altLang="da-DK" sz="1600" dirty="0" smtClean="0"/>
-              <a:t>Svare på eventuelle spørgsmål, som I måtte </a:t>
-            </a:r>
-            <a:r>
-              <a:rPr lang="da-DK" altLang="da-DK" sz="1600" dirty="0" smtClean="0"/>
-              <a:t>have omkring det teknik mv</a:t>
+              <a:t>Svare på eventuelle spørgsmål, som I måtte have omkring det teknik mv</a:t>
             </a:r>
           </a:p>
           <a:p>
@@ -7757,7 +8559,7 @@
               <a:buChar char="•"/>
             </a:pPr>
             <a:r>
-              <a:rPr lang="da-DK" altLang="da-DK" sz="1800" b="1" spc="-40" dirty="0">
+              <a:rPr lang="da-DK" altLang="da-DK" sz="1800" b="1" dirty="0">
                 <a:solidFill>
                   <a:srgbClr val="A50021"/>
                 </a:solidFill>
@@ -7765,7 +8567,7 @@
               <a:t>Dernæst går vi i gang med den opgave, der hedder Raflebæger </a:t>
             </a:r>
             <a:r>
-              <a:rPr lang="da-DK" altLang="da-DK" sz="1800" b="1" spc="-40" dirty="0" smtClean="0">
+              <a:rPr lang="da-DK" altLang="da-DK" sz="1800" b="1" dirty="0" smtClean="0">
                 <a:solidFill>
                   <a:srgbClr val="A50021"/>
                 </a:solidFill>
@@ -7797,7 +8599,7 @@
               <a:buChar char="•"/>
             </a:pPr>
             <a:r>
-              <a:rPr lang="da-DK" altLang="da-DK" sz="1800" b="1" spc="-40" dirty="0">
+              <a:rPr lang="da-DK" altLang="da-DK" sz="1800" b="1" dirty="0">
                 <a:solidFill>
                   <a:srgbClr val="A50021"/>
                 </a:solidFill>
@@ -8068,7 +8870,7 @@
         <p:spPr bwMode="auto">
           <a:xfrm>
             <a:off x="611560" y="1052736"/>
-            <a:ext cx="8352928" cy="5688632"/>
+            <a:ext cx="8280920" cy="5688632"/>
           </a:xfrm>
           <a:prstGeom prst="rect">
             <a:avLst/>
@@ -8280,26 +9082,33 @@
               <a:buChar char="–"/>
             </a:pPr>
             <a:r>
-              <a:rPr lang="da-DK" altLang="da-DK" sz="1600" spc="-50" dirty="0" smtClean="0"/>
+              <a:rPr lang="da-DK" altLang="da-DK" sz="1600" dirty="0" smtClean="0"/>
               <a:t>Undervisningsformen </a:t>
             </a:r>
             <a:r>
-              <a:rPr lang="da-DK" altLang="da-DK" sz="1600" spc="-50" dirty="0"/>
+              <a:rPr lang="da-DK" altLang="da-DK" sz="1600" dirty="0"/>
               <a:t>er anderledes, idet I kun </a:t>
             </a:r>
             <a:r>
-              <a:rPr lang="da-DK" altLang="da-DK" sz="1600" spc="-50" dirty="0" smtClean="0"/>
-              <a:t>har skemalagt undervisning på </a:t>
-            </a:r>
-            <a:r>
-              <a:rPr lang="da-DK" altLang="da-DK" sz="1600" spc="-50" dirty="0"/>
-              <a:t>de otte heldagsseminarer, mens vores bachelorstuderende </a:t>
-            </a:r>
-            <a:r>
-              <a:rPr lang="da-DK" altLang="da-DK" sz="1600" spc="-50" dirty="0" smtClean="0"/>
+              <a:rPr lang="da-DK" altLang="da-DK" sz="1600" dirty="0" smtClean="0"/>
+              <a:t>har skemalagt undervisning på</a:t>
+            </a:r>
+            <a:br>
+              <a:rPr lang="da-DK" altLang="da-DK" sz="1600" dirty="0" smtClean="0"/>
+            </a:br>
+            <a:r>
+              <a:rPr lang="da-DK" altLang="da-DK" sz="1600" dirty="0" smtClean="0"/>
+              <a:t>de </a:t>
+            </a:r>
+            <a:r>
+              <a:rPr lang="da-DK" altLang="da-DK" sz="1600" dirty="0"/>
+              <a:t>otte heldagsseminarer, mens vores bachelorstuderende </a:t>
+            </a:r>
+            <a:r>
+              <a:rPr lang="da-DK" altLang="da-DK" sz="1600" dirty="0" smtClean="0"/>
               <a:t>har undervisning 4 gange om ugen</a:t>
             </a:r>
-            <a:endParaRPr lang="da-DK" altLang="da-DK" sz="1600" spc="-50" dirty="0"/>
+            <a:endParaRPr lang="da-DK" altLang="da-DK" sz="1600" dirty="0"/>
           </a:p>
           <a:p>
             <a:pPr marL="271463" lvl="1" indent="-271463">
@@ -8377,23 +9186,58 @@
                   <a:srgbClr val="A50021"/>
                 </a:solidFill>
               </a:rPr>
-              <a:t>Arbejdsbelastningen for et 10 </a:t>
-            </a:r>
-            <a:r>
-              <a:rPr lang="da-DK" altLang="da-DK" sz="1800" b="1" dirty="0" err="1" smtClean="0">
-                <a:solidFill>
-                  <a:srgbClr val="A50021"/>
+              <a:t>Formålet med kurset er at give jer indsigt i, hvordan man programmerer</a:t>
+            </a:r>
+          </a:p>
+          <a:p>
+            <a:pPr marL="742950" lvl="1" indent="-285750">
+              <a:spcBef>
+                <a:spcPts val="600"/>
+              </a:spcBef>
+            </a:pPr>
+            <a:r>
+              <a:rPr lang="da-DK" altLang="da-DK" sz="1600" dirty="0" smtClean="0"/>
+              <a:t>Der er </a:t>
+            </a:r>
+            <a:r>
+              <a:rPr lang="da-DK" altLang="da-DK" sz="1600" b="1" dirty="0">
+                <a:solidFill>
+                  <a:srgbClr val="008000"/>
                 </a:solidFill>
               </a:rPr>
-              <a:t>ECTS</a:t>
-            </a:r>
-            <a:r>
-              <a:rPr lang="da-DK" altLang="da-DK" sz="1800" b="1" dirty="0" smtClean="0">
-                <a:solidFill>
-                  <a:srgbClr val="A50021"/>
+              <a:t>ikke</a:t>
+            </a:r>
+            <a:r>
+              <a:rPr lang="da-DK" altLang="da-DK" sz="1600" dirty="0" smtClean="0"/>
+              <a:t> tale om et </a:t>
+            </a:r>
+            <a:r>
+              <a:rPr lang="da-DK" altLang="da-DK" sz="1600" dirty="0"/>
+              <a:t>didaktisk</a:t>
+            </a:r>
+            <a:r>
+              <a:rPr lang="da-DK" altLang="da-DK" sz="1600" dirty="0" smtClean="0"/>
+              <a:t> kurset, som lærer jer at </a:t>
+            </a:r>
+            <a:r>
+              <a:rPr lang="da-DK" altLang="da-DK" sz="1600" b="1" dirty="0" smtClean="0">
+                <a:solidFill>
+                  <a:srgbClr val="008000"/>
                 </a:solidFill>
               </a:rPr>
-              <a:t> kursus er 250 timer</a:t>
+              <a:t>unde</a:t>
+            </a:r>
+            <a:r>
+              <a:rPr lang="da-DK" altLang="da-DK" sz="1600" b="1" dirty="0">
+                <a:solidFill>
+                  <a:srgbClr val="008000"/>
+                </a:solidFill>
+              </a:rPr>
+              <a:t>rvise gymnasieelever </a:t>
+            </a:r>
+            <a:r>
+              <a:rPr lang="da-DK" altLang="da-DK" sz="1600" dirty="0" smtClean="0"/>
+              <a:t>i programmering</a:t>
             </a:r>
           </a:p>
           <a:p>
@@ -8404,7 +9248,23 @@
             </a:pPr>
             <a:r>
               <a:rPr lang="da-DK" altLang="da-DK" sz="1600" dirty="0" smtClean="0"/>
-              <a:t>Det betyder, at I forventes at bruge ca. 12,5 timer pr uge (inklusiv seminarerne)</a:t>
+              <a:t>Det er der </a:t>
+            </a:r>
+            <a:r>
+              <a:rPr lang="da-DK" altLang="da-DK" sz="1600" dirty="0" smtClean="0"/>
+              <a:t>andre </a:t>
+            </a:r>
+            <a:r>
+              <a:rPr lang="da-DK" altLang="da-DK" sz="1600" dirty="0" smtClean="0"/>
+              <a:t>kurser på </a:t>
+            </a:r>
+            <a:r>
+              <a:rPr lang="da-DK" altLang="da-DK" sz="1600" dirty="0" smtClean="0"/>
+              <a:t>uddannelsen, der </a:t>
+            </a:r>
+            <a:r>
+              <a:rPr lang="da-DK" altLang="da-DK" sz="1600" dirty="0" smtClean="0"/>
+              <a:t>gør</a:t>
             </a:r>
           </a:p>
           <a:p>
@@ -8415,7 +9275,35 @@
             </a:pPr>
             <a:r>
               <a:rPr lang="da-DK" altLang="da-DK" sz="1600" dirty="0" smtClean="0"/>
-              <a:t>Vores bachelorstuderende bruger i gennemsnit ca. 225 (idet mange af dem har en del programmeringserfaring i forvejen)</a:t>
+              <a:t>Ovenstående betyder også, at de opgaver og det </a:t>
+            </a:r>
+            <a:r>
+              <a:rPr lang="da-DK" altLang="da-DK" sz="1600" dirty="0" smtClean="0"/>
+              <a:t>programmeringssprog, </a:t>
+            </a:r>
+            <a:r>
+              <a:rPr lang="da-DK" altLang="da-DK" sz="1600" dirty="0" smtClean="0"/>
+              <a:t>som vi bruger på </a:t>
+            </a:r>
+            <a:r>
+              <a:rPr lang="da-DK" altLang="da-DK" sz="1600" dirty="0" smtClean="0"/>
+              <a:t>kurset, </a:t>
+            </a:r>
+            <a:r>
+              <a:rPr lang="da-DK" altLang="da-DK" sz="1600" dirty="0" smtClean="0"/>
+              <a:t>ikke nødvendigvis er optimale </a:t>
+            </a:r>
+            <a:r>
+              <a:rPr lang="da-DK" altLang="da-DK" sz="1600" dirty="0" smtClean="0"/>
+              <a:t>at bruge </a:t>
+            </a:r>
+            <a:r>
+              <a:rPr lang="da-DK" altLang="da-DK" sz="1600" dirty="0" smtClean="0"/>
+              <a:t>til undervisning af </a:t>
+            </a:r>
+            <a:r>
+              <a:rPr lang="da-DK" altLang="da-DK" sz="1600" dirty="0" smtClean="0"/>
+              <a:t>gymnasieelever</a:t>
             </a:r>
           </a:p>
           <a:p>
@@ -8426,31 +9314,17 @@
             </a:pPr>
             <a:r>
               <a:rPr lang="da-DK" altLang="da-DK" sz="1600" dirty="0" smtClean="0"/>
-              <a:t>I har lidt mindre stof/opgaver og en masse studieerfaring, men til gengæld er i ældre og lærer dermed lidt langsommere</a:t>
-            </a:r>
-          </a:p>
-          <a:p>
-            <a:pPr marL="742950" lvl="1" indent="-285750">
-              <a:spcBef>
-                <a:spcPts val="600"/>
-              </a:spcBef>
-            </a:pPr>
+              <a:t>Det betyder ikke så meget – </a:t>
+            </a:r>
+            <a:r>
+              <a:rPr lang="da-DK" altLang="da-DK" sz="1600" smtClean="0"/>
+              <a:t>de vigtigste principper bag de forskellige </a:t>
+            </a:r>
             <a:r>
               <a:rPr lang="da-DK" altLang="da-DK" sz="1600" dirty="0" smtClean="0"/>
-              <a:t>Det er jeres eget ansvar (sammen med jeres rektor og jeres familie), at I har den fornødne tid til kurset</a:t>
-            </a:r>
-          </a:p>
-          <a:p>
-            <a:pPr marL="742950" lvl="1" indent="-285750">
-              <a:spcBef>
-                <a:spcPts val="600"/>
-              </a:spcBef>
-            </a:pPr>
-            <a:r>
-              <a:rPr lang="da-DK" altLang="da-DK" sz="1600" spc="-50" dirty="0" smtClean="0"/>
-              <a:t>Jeg har fuld forståelse for, at det kan være hårdt, men jeg kan ikke slække på kravene</a:t>
-            </a:r>
-            <a:endParaRPr lang="da-DK" altLang="da-DK" sz="1600" spc="-50" dirty="0"/>
+              <a:t>programmeringssprog er langt hen af vejen de samme</a:t>
+            </a:r>
+            <a:endParaRPr lang="da-DK" altLang="da-DK" sz="1600" dirty="0"/>
           </a:p>
         </p:txBody>
       </p:sp>
@@ -8675,7 +9549,7 @@
             <a:pPr marL="271463" indent="-271463"/>
             <a:r>
               <a:rPr lang="da-DK" altLang="da-DK" sz="2800" dirty="0" smtClean="0"/>
-              <a:t>Slides sættene</a:t>
+              <a:t>Forventet tidsforbrug</a:t>
             </a:r>
             <a:endParaRPr lang="da-DK" altLang="da-DK" sz="2800" dirty="0"/>
           </a:p>
@@ -8691,8 +9565,8 @@
         </p:nvSpPr>
         <p:spPr bwMode="auto">
           <a:xfrm>
-            <a:off x="611560" y="1052736"/>
-            <a:ext cx="8352928" cy="4176464"/>
+            <a:off x="611560" y="1124744"/>
+            <a:ext cx="8208912" cy="3312368"/>
           </a:xfrm>
           <a:prstGeom prst="rect">
             <a:avLst/>
@@ -8857,18 +9731,18 @@
           <a:p>
             <a:pPr marL="271463" lvl="1" indent="-271463">
               <a:spcBef>
-                <a:spcPts val="1800"/>
+                <a:spcPts val="1200"/>
               </a:spcBef>
               <a:buFontTx/>
               <a:buChar char="•"/>
             </a:pPr>
             <a:r>
-              <a:rPr lang="da-DK" altLang="da-DK" sz="1800" b="1" spc="-40" dirty="0" smtClean="0">
+              <a:rPr lang="da-DK" altLang="da-DK" sz="1800" b="1" dirty="0" smtClean="0">
                 <a:solidFill>
                   <a:srgbClr val="A50021"/>
                 </a:solidFill>
               </a:rPr>
-              <a:t>De slides, som jeg anvender, bruges også på det store kursus for vores bachelorstuderende</a:t>
+              <a:t>Arbejdsbelastningen for et 10 ECTS kursus er 250 timer</a:t>
             </a:r>
           </a:p>
           <a:p>
@@ -8876,12 +9750,10 @@
               <a:spcBef>
                 <a:spcPts val="600"/>
               </a:spcBef>
-              <a:buFontTx/>
-              <a:buChar char="–"/>
             </a:pPr>
             <a:r>
-              <a:rPr lang="da-DK" altLang="da-DK" sz="1600" spc="-50" dirty="0" smtClean="0"/>
-              <a:t>Det betyder, at der er nogle få ting på dem, som ikke er relevante for jer</a:t>
+              <a:rPr lang="da-DK" altLang="da-DK" sz="1600" dirty="0" smtClean="0"/>
+              <a:t>Det betyder, at I forventes at bruge ca. 12,5 timer pr uge (inklusiv seminarerne)</a:t>
             </a:r>
           </a:p>
           <a:p>
@@ -8889,12 +9761,18 @@
               <a:spcBef>
                 <a:spcPts val="600"/>
               </a:spcBef>
-              <a:buFontTx/>
-              <a:buChar char="–"/>
             </a:pPr>
             <a:r>
-              <a:rPr lang="da-DK" altLang="da-DK" sz="1600" spc="-50" dirty="0" smtClean="0"/>
-              <a:t>F.eks. giver det ikke mening for jer, at første slides sæt hedder “Uge 1 – Mandag”</a:t>
+              <a:rPr lang="da-DK" altLang="da-DK" sz="1600" dirty="0" smtClean="0"/>
+              <a:t>Vores bachelorstuderende bruger i gennemsnit ca. </a:t>
+            </a:r>
+            <a:r>
+              <a:rPr lang="da-DK" altLang="da-DK" sz="1600" dirty="0" smtClean="0"/>
+              <a:t>225 timer </a:t>
+            </a:r>
+            <a:r>
+              <a:rPr lang="da-DK" altLang="da-DK" sz="1600" dirty="0" smtClean="0"/>
+              <a:t>(idet nogle  af dem har en del programmeringserfaring i forvejen)</a:t>
             </a:r>
           </a:p>
           <a:p>
@@ -8902,142 +9780,46 @@
               <a:spcBef>
                 <a:spcPts val="600"/>
               </a:spcBef>
-              <a:buFontTx/>
-              <a:buChar char="–"/>
             </a:pPr>
             <a:r>
-              <a:rPr lang="da-DK" altLang="da-DK" sz="1600" spc="-50" dirty="0" smtClean="0"/>
-              <a:t>Der er nogle få slides som jeg springer over</a:t>
-            </a:r>
+              <a:rPr lang="da-DK" altLang="da-DK" sz="1600" dirty="0" smtClean="0"/>
+              <a:t>I har lidt mindre stof/opgaver og en masse studieerfaring, men til gengæld er i ældre og lærer dermed lidt </a:t>
+            </a:r>
+            <a:r>
+              <a:rPr lang="da-DK" altLang="da-DK" sz="1600" dirty="0" smtClean="0"/>
+              <a:t>langsommere – det går nok nogenlunde lige op</a:t>
+            </a:r>
+            <a:endParaRPr lang="da-DK" altLang="da-DK" sz="1600" dirty="0" smtClean="0"/>
           </a:p>
           <a:p>
             <a:pPr marL="742950" lvl="1" indent="-285750">
               <a:spcBef>
                 <a:spcPts val="600"/>
               </a:spcBef>
-              <a:buFontTx/>
-              <a:buChar char="–"/>
             </a:pPr>
             <a:r>
-              <a:rPr lang="da-DK" altLang="da-DK" sz="1600" spc="-50" dirty="0"/>
-              <a:t>D</a:t>
-            </a:r>
-            <a:r>
-              <a:rPr lang="da-DK" altLang="da-DK" sz="1600" spc="-50" dirty="0" smtClean="0"/>
-              <a:t>et skal jeg nok gøre opmærksom på hen af vejen</a:t>
-            </a:r>
-          </a:p>
-          <a:p>
-            <a:pPr marL="271463" lvl="1" indent="-271463">
-              <a:spcBef>
-                <a:spcPts val="1800"/>
-              </a:spcBef>
-              <a:buFontTx/>
-              <a:buChar char="•"/>
+              <a:rPr lang="da-DK" altLang="da-DK" sz="1600" dirty="0" smtClean="0"/>
+              <a:t>Det er jeres eget ansvar (sammen med jeres rektor og jeres familie), at I har den fornødne tid til kurset</a:t>
+            </a:r>
+          </a:p>
+          <a:p>
+            <a:pPr marL="742950" lvl="1" indent="-285750">
+              <a:spcBef>
+                <a:spcPts val="600"/>
+              </a:spcBef>
             </a:pPr>
             <a:r>
-              <a:rPr lang="da-DK" altLang="da-DK" sz="1800" b="1" spc="-40" dirty="0" smtClean="0">
-                <a:solidFill>
-                  <a:srgbClr val="A50021"/>
-                </a:solidFill>
-              </a:rPr>
-              <a:t>Jeg </a:t>
-            </a:r>
-            <a:r>
-              <a:rPr lang="da-DK" altLang="da-DK" sz="1800" b="1" spc="-40" dirty="0">
-                <a:solidFill>
-                  <a:srgbClr val="A50021"/>
-                </a:solidFill>
-              </a:rPr>
-              <a:t>håber, at I har </a:t>
-            </a:r>
-            <a:r>
-              <a:rPr lang="da-DK" altLang="da-DK" sz="1800" b="1" spc="-40" dirty="0" smtClean="0">
-                <a:solidFill>
-                  <a:srgbClr val="A50021"/>
-                </a:solidFill>
-              </a:rPr>
-              <a:t>forståelse for, </a:t>
-            </a:r>
-            <a:r>
-              <a:rPr lang="da-DK" altLang="da-DK" sz="1800" b="1" spc="-40" dirty="0">
-                <a:solidFill>
-                  <a:srgbClr val="A50021"/>
-                </a:solidFill>
-              </a:rPr>
-              <a:t>at jeg </a:t>
-            </a:r>
-            <a:r>
-              <a:rPr lang="da-DK" altLang="da-DK" sz="1800" b="1" spc="-40" dirty="0" smtClean="0">
-                <a:solidFill>
-                  <a:srgbClr val="A50021"/>
-                </a:solidFill>
-              </a:rPr>
-              <a:t>ikke kan </a:t>
-            </a:r>
-            <a:r>
-              <a:rPr lang="da-DK" altLang="da-DK" sz="1800" b="1" spc="-40" dirty="0">
-                <a:solidFill>
-                  <a:srgbClr val="A50021"/>
-                </a:solidFill>
-              </a:rPr>
-              <a:t>have to forskellige sæt slides til de to </a:t>
-            </a:r>
-            <a:r>
-              <a:rPr lang="da-DK" altLang="da-DK" sz="1800" b="1" spc="-40" dirty="0" smtClean="0">
-                <a:solidFill>
-                  <a:srgbClr val="A50021"/>
-                </a:solidFill>
-              </a:rPr>
-              <a:t>kurser </a:t>
-            </a:r>
-            <a:endParaRPr lang="da-DK" altLang="da-DK" sz="1800" b="1" spc="-40" dirty="0">
-              <a:solidFill>
-                <a:srgbClr val="A50021"/>
-              </a:solidFill>
-            </a:endParaRPr>
-          </a:p>
-          <a:p>
-            <a:pPr marL="742950" lvl="1" indent="-285750">
-              <a:spcBef>
-                <a:spcPts val="600"/>
-              </a:spcBef>
-              <a:buFontTx/>
-              <a:buChar char="–"/>
-            </a:pPr>
-            <a:r>
-              <a:rPr lang="da-DK" altLang="da-DK" sz="1600" spc="-50" dirty="0" smtClean="0"/>
-              <a:t>Det ville betyde, at stort set alle rettelser skulle laves to steder</a:t>
-            </a:r>
-          </a:p>
-          <a:p>
-            <a:pPr marL="742950" lvl="1" indent="-285750">
-              <a:spcBef>
-                <a:spcPts val="600"/>
-              </a:spcBef>
-              <a:buFontTx/>
-              <a:buChar char="–"/>
-            </a:pPr>
-            <a:r>
-              <a:rPr lang="da-DK" altLang="da-DK" sz="1600" spc="-50" dirty="0" smtClean="0"/>
-              <a:t>Det ville give en masse ekstra arbejde og en masse </a:t>
-            </a:r>
-            <a:r>
-              <a:rPr lang="da-DK" altLang="da-DK" sz="1600" spc="-50" dirty="0" err="1" smtClean="0"/>
-              <a:t>inkonsistenser</a:t>
-            </a:r>
-            <a:r>
-              <a:rPr lang="da-DK" altLang="da-DK" sz="1600" spc="-50" dirty="0" smtClean="0"/>
-              <a:t> mellem de to sæt</a:t>
-            </a:r>
-            <a:endParaRPr lang="da-DK" altLang="da-DK" sz="1600" spc="-50" dirty="0"/>
+              <a:rPr lang="da-DK" altLang="da-DK" sz="1600" dirty="0" smtClean="0"/>
+              <a:t>Jeg har fuld forståelse for, at det kan være hårdt, men jeg kan ikke slække på kravene</a:t>
+            </a:r>
+            <a:endParaRPr lang="da-DK" altLang="da-DK" sz="1600" dirty="0"/>
           </a:p>
         </p:txBody>
       </p:sp>
     </p:spTree>
     <p:extLst>
       <p:ext uri="{BB962C8B-B14F-4D97-AF65-F5344CB8AC3E}">
-        <p14:creationId xmlns:p14="http://schemas.microsoft.com/office/powerpoint/2010/main" val="3415829481"/>
+        <p14:creationId xmlns:p14="http://schemas.microsoft.com/office/powerpoint/2010/main" val="1108817304"/>
       </p:ext>
     </p:extLst>
   </p:cSld>
@@ -9082,6 +9864,586 @@
         <p:spPr bwMode="auto">
           <a:xfrm>
             <a:off x="459225" y="260349"/>
+            <a:ext cx="8577271" cy="682625"/>
+          </a:xfrm>
+          <a:prstGeom prst="rect">
+            <a:avLst/>
+          </a:prstGeom>
+          <a:noFill/>
+          <a:ln>
+            <a:noFill/>
+          </a:ln>
+          <a:extLst>
+            <a:ext uri="{909E8E84-426E-40DD-AFC4-6F175D3DCCD1}">
+              <a14:hiddenFill xmlns:a14="http://schemas.microsoft.com/office/drawing/2010/main">
+                <a:solidFill>
+                  <a:srgbClr val="FFFFFF"/>
+                </a:solidFill>
+              </a14:hiddenFill>
+            </a:ext>
+            <a:ext uri="{91240B29-F687-4F45-9708-019B960494DF}">
+              <a14:hiddenLine xmlns:a14="http://schemas.microsoft.com/office/drawing/2010/main" w="9525">
+                <a:solidFill>
+                  <a:srgbClr val="000000"/>
+                </a:solidFill>
+                <a:miter lim="800000"/>
+                <a:headEnd/>
+                <a:tailEnd/>
+              </a14:hiddenLine>
+            </a:ext>
+          </a:extLst>
+        </p:spPr>
+        <p:txBody>
+          <a:bodyPr anchor="ctr"/>
+          <a:lstStyle>
+            <a:lvl1pPr algn="l" rtl="0" eaLnBrk="0" fontAlgn="base" hangingPunct="0">
+              <a:spcBef>
+                <a:spcPct val="0"/>
+              </a:spcBef>
+              <a:spcAft>
+                <a:spcPct val="0"/>
+              </a:spcAft>
+              <a:defRPr sz="3600" b="1">
+                <a:solidFill>
+                  <a:srgbClr val="000066"/>
+                </a:solidFill>
+                <a:latin typeface="+mj-lt"/>
+                <a:ea typeface="ＭＳ Ｐゴシック" pitchFamily="-107" charset="-128"/>
+                <a:cs typeface="ＭＳ Ｐゴシック" pitchFamily="-107" charset="-128"/>
+              </a:defRPr>
+            </a:lvl1pPr>
+            <a:lvl2pPr algn="l" rtl="0" eaLnBrk="0" fontAlgn="base" hangingPunct="0">
+              <a:spcBef>
+                <a:spcPct val="0"/>
+              </a:spcBef>
+              <a:spcAft>
+                <a:spcPct val="0"/>
+              </a:spcAft>
+              <a:defRPr sz="3600" b="1">
+                <a:solidFill>
+                  <a:srgbClr val="000066"/>
+                </a:solidFill>
+                <a:latin typeface="Arial" charset="0"/>
+                <a:ea typeface="ＭＳ Ｐゴシック" pitchFamily="-107" charset="-128"/>
+                <a:cs typeface="ＭＳ Ｐゴシック" pitchFamily="-107" charset="-128"/>
+              </a:defRPr>
+            </a:lvl2pPr>
+            <a:lvl3pPr algn="l" rtl="0" eaLnBrk="0" fontAlgn="base" hangingPunct="0">
+              <a:spcBef>
+                <a:spcPct val="0"/>
+              </a:spcBef>
+              <a:spcAft>
+                <a:spcPct val="0"/>
+              </a:spcAft>
+              <a:defRPr sz="3600" b="1">
+                <a:solidFill>
+                  <a:srgbClr val="000066"/>
+                </a:solidFill>
+                <a:latin typeface="Arial" charset="0"/>
+                <a:ea typeface="ＭＳ Ｐゴシック" pitchFamily="-107" charset="-128"/>
+                <a:cs typeface="ＭＳ Ｐゴシック" pitchFamily="-107" charset="-128"/>
+              </a:defRPr>
+            </a:lvl3pPr>
+            <a:lvl4pPr algn="l" rtl="0" eaLnBrk="0" fontAlgn="base" hangingPunct="0">
+              <a:spcBef>
+                <a:spcPct val="0"/>
+              </a:spcBef>
+              <a:spcAft>
+                <a:spcPct val="0"/>
+              </a:spcAft>
+              <a:defRPr sz="3600" b="1">
+                <a:solidFill>
+                  <a:srgbClr val="000066"/>
+                </a:solidFill>
+                <a:latin typeface="Arial" charset="0"/>
+                <a:ea typeface="ＭＳ Ｐゴシック" pitchFamily="-107" charset="-128"/>
+                <a:cs typeface="ＭＳ Ｐゴシック" pitchFamily="-107" charset="-128"/>
+              </a:defRPr>
+            </a:lvl4pPr>
+            <a:lvl5pPr algn="l" rtl="0" eaLnBrk="0" fontAlgn="base" hangingPunct="0">
+              <a:spcBef>
+                <a:spcPct val="0"/>
+              </a:spcBef>
+              <a:spcAft>
+                <a:spcPct val="0"/>
+              </a:spcAft>
+              <a:defRPr sz="3600" b="1">
+                <a:solidFill>
+                  <a:srgbClr val="000066"/>
+                </a:solidFill>
+                <a:latin typeface="Arial" charset="0"/>
+                <a:ea typeface="ＭＳ Ｐゴシック" pitchFamily="-107" charset="-128"/>
+                <a:cs typeface="ＭＳ Ｐゴシック" pitchFamily="-107" charset="-128"/>
+              </a:defRPr>
+            </a:lvl5pPr>
+            <a:lvl6pPr marL="457200" algn="l" rtl="0" fontAlgn="base">
+              <a:spcBef>
+                <a:spcPct val="0"/>
+              </a:spcBef>
+              <a:spcAft>
+                <a:spcPct val="0"/>
+              </a:spcAft>
+              <a:defRPr sz="3600" b="1">
+                <a:solidFill>
+                  <a:srgbClr val="000066"/>
+                </a:solidFill>
+                <a:latin typeface="Arial" charset="0"/>
+              </a:defRPr>
+            </a:lvl6pPr>
+            <a:lvl7pPr marL="914400" algn="l" rtl="0" fontAlgn="base">
+              <a:spcBef>
+                <a:spcPct val="0"/>
+              </a:spcBef>
+              <a:spcAft>
+                <a:spcPct val="0"/>
+              </a:spcAft>
+              <a:defRPr sz="3600" b="1">
+                <a:solidFill>
+                  <a:srgbClr val="000066"/>
+                </a:solidFill>
+                <a:latin typeface="Arial" charset="0"/>
+              </a:defRPr>
+            </a:lvl7pPr>
+            <a:lvl8pPr marL="1371600" algn="l" rtl="0" fontAlgn="base">
+              <a:spcBef>
+                <a:spcPct val="0"/>
+              </a:spcBef>
+              <a:spcAft>
+                <a:spcPct val="0"/>
+              </a:spcAft>
+              <a:defRPr sz="3600" b="1">
+                <a:solidFill>
+                  <a:srgbClr val="000066"/>
+                </a:solidFill>
+                <a:latin typeface="Arial" charset="0"/>
+              </a:defRPr>
+            </a:lvl8pPr>
+            <a:lvl9pPr marL="1828800" algn="l" rtl="0" fontAlgn="base">
+              <a:spcBef>
+                <a:spcPct val="0"/>
+              </a:spcBef>
+              <a:spcAft>
+                <a:spcPct val="0"/>
+              </a:spcAft>
+              <a:defRPr sz="3600" b="1">
+                <a:solidFill>
+                  <a:srgbClr val="000066"/>
+                </a:solidFill>
+                <a:latin typeface="Arial" charset="0"/>
+              </a:defRPr>
+            </a:lvl9pPr>
+          </a:lstStyle>
+          <a:p>
+            <a:pPr marL="271463" indent="-271463"/>
+            <a:r>
+              <a:rPr lang="da-DK" altLang="da-DK" sz="2800" dirty="0" smtClean="0"/>
+              <a:t>Slides sættene</a:t>
+            </a:r>
+            <a:endParaRPr lang="da-DK" altLang="da-DK" sz="2800" dirty="0"/>
+          </a:p>
+        </p:txBody>
+      </p:sp>
+      <p:sp>
+        <p:nvSpPr>
+          <p:cNvPr id="8" name="Content Placeholder 2"/>
+          <p:cNvSpPr txBox="1">
+            <a:spLocks/>
+          </p:cNvSpPr>
+          <p:nvPr/>
+        </p:nvSpPr>
+        <p:spPr bwMode="auto">
+          <a:xfrm>
+            <a:off x="611560" y="1052736"/>
+            <a:ext cx="8352928" cy="4176464"/>
+          </a:xfrm>
+          <a:prstGeom prst="rect">
+            <a:avLst/>
+          </a:prstGeom>
+          <a:noFill/>
+          <a:ln>
+            <a:noFill/>
+          </a:ln>
+          <a:extLst>
+            <a:ext uri="{909E8E84-426E-40DD-AFC4-6F175D3DCCD1}">
+              <a14:hiddenFill xmlns:a14="http://schemas.microsoft.com/office/drawing/2010/main">
+                <a:solidFill>
+                  <a:srgbClr val="FFFFFF"/>
+                </a:solidFill>
+              </a14:hiddenFill>
+            </a:ext>
+            <a:ext uri="{91240B29-F687-4F45-9708-019B960494DF}">
+              <a14:hiddenLine xmlns:a14="http://schemas.microsoft.com/office/drawing/2010/main" w="9525">
+                <a:solidFill>
+                  <a:srgbClr val="000000"/>
+                </a:solidFill>
+                <a:miter lim="800000"/>
+                <a:headEnd/>
+                <a:tailEnd/>
+              </a14:hiddenLine>
+            </a:ext>
+          </a:extLst>
+        </p:spPr>
+        <p:txBody>
+          <a:bodyPr/>
+          <a:lstStyle>
+            <a:lvl1pPr eaLnBrk="0" hangingPunct="0">
+              <a:spcBef>
+                <a:spcPct val="20000"/>
+              </a:spcBef>
+              <a:buChar char="•"/>
+              <a:defRPr sz="2400" b="1">
+                <a:solidFill>
+                  <a:srgbClr val="A50021"/>
+                </a:solidFill>
+                <a:latin typeface="Arial" pitchFamily="34" charset="0"/>
+                <a:ea typeface="ＭＳ Ｐゴシック" pitchFamily="34" charset="-128"/>
+              </a:defRPr>
+            </a:lvl1pPr>
+            <a:lvl2pPr eaLnBrk="0" hangingPunct="0">
+              <a:spcBef>
+                <a:spcPct val="20000"/>
+              </a:spcBef>
+              <a:buChar char="–"/>
+              <a:defRPr sz="2000">
+                <a:solidFill>
+                  <a:srgbClr val="000066"/>
+                </a:solidFill>
+                <a:latin typeface="Arial" pitchFamily="34" charset="0"/>
+                <a:ea typeface="ＭＳ Ｐゴシック" pitchFamily="34" charset="-128"/>
+              </a:defRPr>
+            </a:lvl2pPr>
+            <a:lvl3pPr eaLnBrk="0" hangingPunct="0">
+              <a:spcBef>
+                <a:spcPct val="20000"/>
+              </a:spcBef>
+              <a:buChar char="•"/>
+              <a:defRPr sz="1600">
+                <a:solidFill>
+                  <a:schemeClr val="tx1"/>
+                </a:solidFill>
+                <a:latin typeface="Arial" pitchFamily="34" charset="0"/>
+                <a:ea typeface="ＭＳ Ｐゴシック" pitchFamily="34" charset="-128"/>
+              </a:defRPr>
+            </a:lvl3pPr>
+            <a:lvl4pPr eaLnBrk="0" hangingPunct="0">
+              <a:spcBef>
+                <a:spcPct val="20000"/>
+              </a:spcBef>
+              <a:buChar char="–"/>
+              <a:defRPr sz="1600">
+                <a:solidFill>
+                  <a:schemeClr val="tx1"/>
+                </a:solidFill>
+                <a:latin typeface="Times New Roman" pitchFamily="18" charset="0"/>
+                <a:ea typeface="ＭＳ Ｐゴシック" pitchFamily="34" charset="-128"/>
+              </a:defRPr>
+            </a:lvl4pPr>
+            <a:lvl5pPr eaLnBrk="0" hangingPunct="0">
+              <a:spcBef>
+                <a:spcPct val="20000"/>
+              </a:spcBef>
+              <a:buChar char="»"/>
+              <a:defRPr sz="1200">
+                <a:solidFill>
+                  <a:schemeClr val="tx1"/>
+                </a:solidFill>
+                <a:latin typeface="Times New Roman" pitchFamily="18" charset="0"/>
+                <a:ea typeface="ＭＳ Ｐゴシック" pitchFamily="34" charset="-128"/>
+              </a:defRPr>
+            </a:lvl5pPr>
+            <a:lvl6pPr eaLnBrk="0" fontAlgn="base" hangingPunct="0">
+              <a:spcBef>
+                <a:spcPct val="20000"/>
+              </a:spcBef>
+              <a:spcAft>
+                <a:spcPct val="0"/>
+              </a:spcAft>
+              <a:buChar char="»"/>
+              <a:defRPr sz="1200">
+                <a:solidFill>
+                  <a:schemeClr val="tx1"/>
+                </a:solidFill>
+                <a:latin typeface="Times New Roman" pitchFamily="18" charset="0"/>
+                <a:ea typeface="ＭＳ Ｐゴシック" pitchFamily="34" charset="-128"/>
+              </a:defRPr>
+            </a:lvl6pPr>
+            <a:lvl7pPr eaLnBrk="0" fontAlgn="base" hangingPunct="0">
+              <a:spcBef>
+                <a:spcPct val="20000"/>
+              </a:spcBef>
+              <a:spcAft>
+                <a:spcPct val="0"/>
+              </a:spcAft>
+              <a:buChar char="»"/>
+              <a:defRPr sz="1200">
+                <a:solidFill>
+                  <a:schemeClr val="tx1"/>
+                </a:solidFill>
+                <a:latin typeface="Times New Roman" pitchFamily="18" charset="0"/>
+                <a:ea typeface="ＭＳ Ｐゴシック" pitchFamily="34" charset="-128"/>
+              </a:defRPr>
+            </a:lvl7pPr>
+            <a:lvl8pPr eaLnBrk="0" fontAlgn="base" hangingPunct="0">
+              <a:spcBef>
+                <a:spcPct val="20000"/>
+              </a:spcBef>
+              <a:spcAft>
+                <a:spcPct val="0"/>
+              </a:spcAft>
+              <a:buChar char="»"/>
+              <a:defRPr sz="1200">
+                <a:solidFill>
+                  <a:schemeClr val="tx1"/>
+                </a:solidFill>
+                <a:latin typeface="Times New Roman" pitchFamily="18" charset="0"/>
+                <a:ea typeface="ＭＳ Ｐゴシック" pitchFamily="34" charset="-128"/>
+              </a:defRPr>
+            </a:lvl8pPr>
+            <a:lvl9pPr eaLnBrk="0" fontAlgn="base" hangingPunct="0">
+              <a:spcBef>
+                <a:spcPct val="20000"/>
+              </a:spcBef>
+              <a:spcAft>
+                <a:spcPct val="0"/>
+              </a:spcAft>
+              <a:buChar char="»"/>
+              <a:defRPr sz="1200">
+                <a:solidFill>
+                  <a:schemeClr val="tx1"/>
+                </a:solidFill>
+                <a:latin typeface="Times New Roman" pitchFamily="18" charset="0"/>
+                <a:ea typeface="ＭＳ Ｐゴシック" pitchFamily="34" charset="-128"/>
+              </a:defRPr>
+            </a:lvl9pPr>
+          </a:lstStyle>
+          <a:p>
+            <a:pPr marL="271463" lvl="1" indent="-271463">
+              <a:spcBef>
+                <a:spcPts val="1800"/>
+              </a:spcBef>
+              <a:buFontTx/>
+              <a:buChar char="•"/>
+            </a:pPr>
+            <a:r>
+              <a:rPr lang="da-DK" altLang="da-DK" sz="1800" b="1" dirty="0" smtClean="0">
+                <a:solidFill>
+                  <a:srgbClr val="A50021"/>
+                </a:solidFill>
+              </a:rPr>
+              <a:t>De slides, som jeg anvender, bruges også på det store kursus for vores bachelorstuderende</a:t>
+            </a:r>
+          </a:p>
+          <a:p>
+            <a:pPr marL="742950" lvl="1" indent="-285750">
+              <a:spcBef>
+                <a:spcPts val="600"/>
+              </a:spcBef>
+              <a:buFontTx/>
+              <a:buChar char="–"/>
+            </a:pPr>
+            <a:r>
+              <a:rPr lang="da-DK" altLang="da-DK" sz="1600" dirty="0" smtClean="0"/>
+              <a:t>Det betyder, at der er nogle få ting på dem, som ikke er relevante for jer</a:t>
+            </a:r>
+          </a:p>
+          <a:p>
+            <a:pPr marL="742950" lvl="1" indent="-285750">
+              <a:spcBef>
+                <a:spcPts val="600"/>
+              </a:spcBef>
+              <a:buFontTx/>
+              <a:buChar char="–"/>
+            </a:pPr>
+            <a:r>
+              <a:rPr lang="da-DK" altLang="da-DK" sz="1600" dirty="0" smtClean="0"/>
+              <a:t>F.eks. giver det ikke mening for jer, at første slides sæt hedder “Uge 1 – Mandag”</a:t>
+            </a:r>
+          </a:p>
+          <a:p>
+            <a:pPr marL="742950" lvl="1" indent="-285750">
+              <a:spcBef>
+                <a:spcPts val="600"/>
+              </a:spcBef>
+              <a:buFontTx/>
+              <a:buChar char="–"/>
+            </a:pPr>
+            <a:r>
+              <a:rPr lang="da-DK" altLang="da-DK" sz="1600" dirty="0" smtClean="0"/>
+              <a:t>Der er nogle få slides som jeg springer over</a:t>
+            </a:r>
+          </a:p>
+          <a:p>
+            <a:pPr marL="742950" lvl="1" indent="-285750">
+              <a:spcBef>
+                <a:spcPts val="600"/>
+              </a:spcBef>
+              <a:buFontTx/>
+              <a:buChar char="–"/>
+            </a:pPr>
+            <a:r>
+              <a:rPr lang="da-DK" altLang="da-DK" sz="1600" dirty="0"/>
+              <a:t>D</a:t>
+            </a:r>
+            <a:r>
+              <a:rPr lang="da-DK" altLang="da-DK" sz="1600" dirty="0" smtClean="0"/>
+              <a:t>et skal jeg nok gøre opmærksom på hen af vejen</a:t>
+            </a:r>
+          </a:p>
+          <a:p>
+            <a:pPr marL="271463" lvl="1" indent="-271463">
+              <a:spcBef>
+                <a:spcPts val="1800"/>
+              </a:spcBef>
+              <a:buFontTx/>
+              <a:buChar char="•"/>
+            </a:pPr>
+            <a:r>
+              <a:rPr lang="da-DK" altLang="da-DK" sz="1800" b="1" dirty="0" smtClean="0">
+                <a:solidFill>
+                  <a:srgbClr val="A50021"/>
+                </a:solidFill>
+              </a:rPr>
+              <a:t>Jeg </a:t>
+            </a:r>
+            <a:r>
+              <a:rPr lang="da-DK" altLang="da-DK" sz="1800" b="1" dirty="0">
+                <a:solidFill>
+                  <a:srgbClr val="A50021"/>
+                </a:solidFill>
+              </a:rPr>
+              <a:t>håber, at I har </a:t>
+            </a:r>
+            <a:r>
+              <a:rPr lang="da-DK" altLang="da-DK" sz="1800" b="1" dirty="0" smtClean="0">
+                <a:solidFill>
+                  <a:srgbClr val="A50021"/>
+                </a:solidFill>
+              </a:rPr>
+              <a:t>forståelse for, </a:t>
+            </a:r>
+            <a:r>
+              <a:rPr lang="da-DK" altLang="da-DK" sz="1800" b="1" dirty="0">
+                <a:solidFill>
+                  <a:srgbClr val="A50021"/>
+                </a:solidFill>
+              </a:rPr>
+              <a:t>at jeg </a:t>
+            </a:r>
+            <a:r>
+              <a:rPr lang="da-DK" altLang="da-DK" sz="1800" b="1" dirty="0" smtClean="0">
+                <a:solidFill>
+                  <a:srgbClr val="A50021"/>
+                </a:solidFill>
+              </a:rPr>
+              <a:t>ikke kan </a:t>
+            </a:r>
+            <a:r>
+              <a:rPr lang="da-DK" altLang="da-DK" sz="1800" b="1" dirty="0">
+                <a:solidFill>
+                  <a:srgbClr val="A50021"/>
+                </a:solidFill>
+              </a:rPr>
+              <a:t>have to forskellige sæt slides til de to </a:t>
+            </a:r>
+            <a:r>
+              <a:rPr lang="da-DK" altLang="da-DK" sz="1800" b="1" dirty="0" smtClean="0">
+                <a:solidFill>
+                  <a:srgbClr val="A50021"/>
+                </a:solidFill>
+              </a:rPr>
+              <a:t>kurser </a:t>
+            </a:r>
+            <a:endParaRPr lang="da-DK" altLang="da-DK" sz="1800" b="1" dirty="0">
+              <a:solidFill>
+                <a:srgbClr val="A50021"/>
+              </a:solidFill>
+            </a:endParaRPr>
+          </a:p>
+          <a:p>
+            <a:pPr marL="742950" lvl="1" indent="-285750">
+              <a:spcBef>
+                <a:spcPts val="600"/>
+              </a:spcBef>
+              <a:buFontTx/>
+              <a:buChar char="–"/>
+            </a:pPr>
+            <a:r>
+              <a:rPr lang="da-DK" altLang="da-DK" sz="1600" dirty="0" smtClean="0"/>
+              <a:t>Det ville betyde, at stort set alle rettelser skulle laves to steder</a:t>
+            </a:r>
+          </a:p>
+          <a:p>
+            <a:pPr marL="742950" lvl="1" indent="-285750">
+              <a:spcBef>
+                <a:spcPts val="600"/>
+              </a:spcBef>
+              <a:buFontTx/>
+              <a:buChar char="–"/>
+            </a:pPr>
+            <a:r>
+              <a:rPr lang="da-DK" altLang="da-DK" sz="1600" dirty="0" smtClean="0"/>
+              <a:t>Det ville give en masse ekstra arbejde og en masse </a:t>
+            </a:r>
+            <a:r>
+              <a:rPr lang="da-DK" altLang="da-DK" sz="1600" dirty="0" smtClean="0"/>
+              <a:t>inkonsistens </a:t>
+            </a:r>
+            <a:r>
+              <a:rPr lang="da-DK" altLang="da-DK" sz="1600" dirty="0" smtClean="0"/>
+              <a:t>mellem de to sæt</a:t>
+            </a:r>
+            <a:endParaRPr lang="da-DK" altLang="da-DK" sz="1600" dirty="0"/>
+          </a:p>
+        </p:txBody>
+      </p:sp>
+    </p:spTree>
+    <p:extLst>
+      <p:ext uri="{BB962C8B-B14F-4D97-AF65-F5344CB8AC3E}">
+        <p14:creationId xmlns:p14="http://schemas.microsoft.com/office/powerpoint/2010/main" val="3415829481"/>
+      </p:ext>
+    </p:extLst>
+  </p:cSld>
+  <p:clrMapOvr>
+    <a:masterClrMapping/>
+  </p:clrMapOvr>
+  <p:timing>
+    <p:tnLst>
+      <p:par>
+        <p:cTn id="1" dur="indefinite" restart="never" nodeType="tmRoot"/>
+      </p:par>
+    </p:tnLst>
+  </p:timing>
+</p:sld>
+</file>
+
+<file path=ppt/slides/slide5.xml><?xml version="1.0" encoding="utf-8"?>
+<p:sld xmlns:a="http://schemas.openxmlformats.org/drawingml/2006/main" xmlns:r="http://schemas.openxmlformats.org/officeDocument/2006/relationships" xmlns:p="http://schemas.openxmlformats.org/presentationml/2006/main">
+  <p:cSld>
+    <p:spTree>
+      <p:nvGrpSpPr>
+        <p:cNvPr id="1" name=""/>
+        <p:cNvGrpSpPr/>
+        <p:nvPr/>
+      </p:nvGrpSpPr>
+      <p:grpSpPr>
+        <a:xfrm>
+          <a:off x="0" y="0"/>
+          <a:ext cx="0" cy="0"/>
+          <a:chOff x="0" y="0"/>
+          <a:chExt cx="0" cy="0"/>
+        </a:xfrm>
+      </p:grpSpPr>
+      <p:sp>
+        <p:nvSpPr>
+          <p:cNvPr id="4" name="Title 1"/>
+          <p:cNvSpPr txBox="1">
+            <a:spLocks/>
+          </p:cNvSpPr>
+          <p:nvPr/>
+        </p:nvSpPr>
+        <p:spPr bwMode="auto">
+          <a:xfrm>
+            <a:off x="459225" y="260349"/>
             <a:ext cx="8649279" cy="682625"/>
           </a:xfrm>
           <a:prstGeom prst="rect">
@@ -9443,7 +10805,7 @@
               <a:buChar char="•"/>
             </a:pPr>
             <a:r>
-              <a:rPr lang="da-DK" altLang="da-DK" sz="1800" b="1" spc="-40" dirty="0" smtClean="0">
+              <a:rPr lang="da-DK" altLang="da-DK" sz="1800" b="1" dirty="0" smtClean="0">
                 <a:solidFill>
                   <a:srgbClr val="A50021"/>
                 </a:solidFill>
@@ -9574,14 +10936,14 @@
               <a:buChar char="•"/>
             </a:pPr>
             <a:r>
-              <a:rPr lang="da-DK" altLang="da-DK" sz="1800" b="1" spc="-40" dirty="0" smtClean="0">
+              <a:rPr lang="da-DK" altLang="da-DK" sz="1800" b="1" dirty="0" smtClean="0">
                 <a:solidFill>
                   <a:srgbClr val="A50021"/>
                 </a:solidFill>
               </a:rPr>
               <a:t>Er der nogen spørgsmål før vi går i gang?</a:t>
             </a:r>
-            <a:endParaRPr lang="da-DK" altLang="da-DK" sz="1800" b="1" spc="-40" dirty="0">
+            <a:endParaRPr lang="da-DK" altLang="da-DK" sz="1800" b="1" dirty="0">
               <a:solidFill>
                 <a:srgbClr val="A50021"/>
               </a:solidFill>
@@ -9846,7 +11208,7 @@
 </p:sld>
 </file>
 
-<file path=ppt/slides/slide5.xml><?xml version="1.0" encoding="utf-8"?>
+<file path=ppt/slides/slide6.xml><?xml version="1.0" encoding="utf-8"?>
 <p:sld xmlns:a="http://schemas.openxmlformats.org/drawingml/2006/main" xmlns:r="http://schemas.openxmlformats.org/officeDocument/2006/relationships" xmlns:p="http://schemas.openxmlformats.org/presentationml/2006/main">
   <p:cSld>
     <p:spTree>
@@ -10235,7 +11597,7 @@
               <a:buChar char="•"/>
             </a:pPr>
             <a:r>
-              <a:rPr lang="da-DK" altLang="da-DK" sz="1800" b="1" spc="-40" dirty="0" smtClean="0">
+              <a:rPr lang="da-DK" altLang="da-DK" sz="1800" b="1" dirty="0" smtClean="0">
                 <a:solidFill>
                   <a:srgbClr val="A50021"/>
                 </a:solidFill>
@@ -10302,687 +11664,6 @@
     <p:extLst>
       <p:ext uri="{BB962C8B-B14F-4D97-AF65-F5344CB8AC3E}">
         <p14:creationId xmlns:p14="http://schemas.microsoft.com/office/powerpoint/2010/main" val="211874248"/>
-      </p:ext>
-    </p:extLst>
-  </p:cSld>
-  <p:clrMapOvr>
-    <a:masterClrMapping/>
-  </p:clrMapOvr>
-  <p:timing>
-    <p:tnLst>
-      <p:par>
-        <p:cTn id="1" dur="indefinite" restart="never" nodeType="tmRoot"/>
-      </p:par>
-    </p:tnLst>
-  </p:timing>
-</p:sld>
-</file>
-
-<file path=ppt/slides/slide6.xml><?xml version="1.0" encoding="utf-8"?>
-<p:sld xmlns:a="http://schemas.openxmlformats.org/drawingml/2006/main" xmlns:r="http://schemas.openxmlformats.org/officeDocument/2006/relationships" xmlns:p="http://schemas.openxmlformats.org/presentationml/2006/main">
-  <p:cSld>
-    <p:spTree>
-      <p:nvGrpSpPr>
-        <p:cNvPr id="1" name=""/>
-        <p:cNvGrpSpPr/>
-        <p:nvPr/>
-      </p:nvGrpSpPr>
-      <p:grpSpPr>
-        <a:xfrm>
-          <a:off x="0" y="0"/>
-          <a:ext cx="0" cy="0"/>
-          <a:chOff x="0" y="0"/>
-          <a:chExt cx="0" cy="0"/>
-        </a:xfrm>
-      </p:grpSpPr>
-      <p:sp>
-        <p:nvSpPr>
-          <p:cNvPr id="4" name="Title 1"/>
-          <p:cNvSpPr txBox="1">
-            <a:spLocks/>
-          </p:cNvSpPr>
-          <p:nvPr/>
-        </p:nvSpPr>
-        <p:spPr bwMode="auto">
-          <a:xfrm>
-            <a:off x="459225" y="260349"/>
-            <a:ext cx="8505263" cy="682625"/>
-          </a:xfrm>
-          <a:prstGeom prst="rect">
-            <a:avLst/>
-          </a:prstGeom>
-          <a:noFill/>
-          <a:ln>
-            <a:noFill/>
-          </a:ln>
-          <a:extLst>
-            <a:ext uri="{909E8E84-426E-40DD-AFC4-6F175D3DCCD1}">
-              <a14:hiddenFill xmlns:a14="http://schemas.microsoft.com/office/drawing/2010/main">
-                <a:solidFill>
-                  <a:srgbClr val="FFFFFF"/>
-                </a:solidFill>
-              </a14:hiddenFill>
-            </a:ext>
-            <a:ext uri="{91240B29-F687-4F45-9708-019B960494DF}">
-              <a14:hiddenLine xmlns:a14="http://schemas.microsoft.com/office/drawing/2010/main" w="9525">
-                <a:solidFill>
-                  <a:srgbClr val="000000"/>
-                </a:solidFill>
-                <a:miter lim="800000"/>
-                <a:headEnd/>
-                <a:tailEnd/>
-              </a14:hiddenLine>
-            </a:ext>
-          </a:extLst>
-        </p:spPr>
-        <p:txBody>
-          <a:bodyPr anchor="ctr"/>
-          <a:lstStyle>
-            <a:lvl1pPr algn="l" rtl="0" eaLnBrk="0" fontAlgn="base" hangingPunct="0">
-              <a:spcBef>
-                <a:spcPct val="0"/>
-              </a:spcBef>
-              <a:spcAft>
-                <a:spcPct val="0"/>
-              </a:spcAft>
-              <a:defRPr sz="3600" b="1">
-                <a:solidFill>
-                  <a:srgbClr val="000066"/>
-                </a:solidFill>
-                <a:latin typeface="+mj-lt"/>
-                <a:ea typeface="ＭＳ Ｐゴシック" pitchFamily="-107" charset="-128"/>
-                <a:cs typeface="ＭＳ Ｐゴシック" pitchFamily="-107" charset="-128"/>
-              </a:defRPr>
-            </a:lvl1pPr>
-            <a:lvl2pPr algn="l" rtl="0" eaLnBrk="0" fontAlgn="base" hangingPunct="0">
-              <a:spcBef>
-                <a:spcPct val="0"/>
-              </a:spcBef>
-              <a:spcAft>
-                <a:spcPct val="0"/>
-              </a:spcAft>
-              <a:defRPr sz="3600" b="1">
-                <a:solidFill>
-                  <a:srgbClr val="000066"/>
-                </a:solidFill>
-                <a:latin typeface="Arial" charset="0"/>
-                <a:ea typeface="ＭＳ Ｐゴシック" pitchFamily="-107" charset="-128"/>
-                <a:cs typeface="ＭＳ Ｐゴシック" pitchFamily="-107" charset="-128"/>
-              </a:defRPr>
-            </a:lvl2pPr>
-            <a:lvl3pPr algn="l" rtl="0" eaLnBrk="0" fontAlgn="base" hangingPunct="0">
-              <a:spcBef>
-                <a:spcPct val="0"/>
-              </a:spcBef>
-              <a:spcAft>
-                <a:spcPct val="0"/>
-              </a:spcAft>
-              <a:defRPr sz="3600" b="1">
-                <a:solidFill>
-                  <a:srgbClr val="000066"/>
-                </a:solidFill>
-                <a:latin typeface="Arial" charset="0"/>
-                <a:ea typeface="ＭＳ Ｐゴシック" pitchFamily="-107" charset="-128"/>
-                <a:cs typeface="ＭＳ Ｐゴシック" pitchFamily="-107" charset="-128"/>
-              </a:defRPr>
-            </a:lvl3pPr>
-            <a:lvl4pPr algn="l" rtl="0" eaLnBrk="0" fontAlgn="base" hangingPunct="0">
-              <a:spcBef>
-                <a:spcPct val="0"/>
-              </a:spcBef>
-              <a:spcAft>
-                <a:spcPct val="0"/>
-              </a:spcAft>
-              <a:defRPr sz="3600" b="1">
-                <a:solidFill>
-                  <a:srgbClr val="000066"/>
-                </a:solidFill>
-                <a:latin typeface="Arial" charset="0"/>
-                <a:ea typeface="ＭＳ Ｐゴシック" pitchFamily="-107" charset="-128"/>
-                <a:cs typeface="ＭＳ Ｐゴシック" pitchFamily="-107" charset="-128"/>
-              </a:defRPr>
-            </a:lvl4pPr>
-            <a:lvl5pPr algn="l" rtl="0" eaLnBrk="0" fontAlgn="base" hangingPunct="0">
-              <a:spcBef>
-                <a:spcPct val="0"/>
-              </a:spcBef>
-              <a:spcAft>
-                <a:spcPct val="0"/>
-              </a:spcAft>
-              <a:defRPr sz="3600" b="1">
-                <a:solidFill>
-                  <a:srgbClr val="000066"/>
-                </a:solidFill>
-                <a:latin typeface="Arial" charset="0"/>
-                <a:ea typeface="ＭＳ Ｐゴシック" pitchFamily="-107" charset="-128"/>
-                <a:cs typeface="ＭＳ Ｐゴシック" pitchFamily="-107" charset="-128"/>
-              </a:defRPr>
-            </a:lvl5pPr>
-            <a:lvl6pPr marL="457200" algn="l" rtl="0" fontAlgn="base">
-              <a:spcBef>
-                <a:spcPct val="0"/>
-              </a:spcBef>
-              <a:spcAft>
-                <a:spcPct val="0"/>
-              </a:spcAft>
-              <a:defRPr sz="3600" b="1">
-                <a:solidFill>
-                  <a:srgbClr val="000066"/>
-                </a:solidFill>
-                <a:latin typeface="Arial" charset="0"/>
-              </a:defRPr>
-            </a:lvl6pPr>
-            <a:lvl7pPr marL="914400" algn="l" rtl="0" fontAlgn="base">
-              <a:spcBef>
-                <a:spcPct val="0"/>
-              </a:spcBef>
-              <a:spcAft>
-                <a:spcPct val="0"/>
-              </a:spcAft>
-              <a:defRPr sz="3600" b="1">
-                <a:solidFill>
-                  <a:srgbClr val="000066"/>
-                </a:solidFill>
-                <a:latin typeface="Arial" charset="0"/>
-              </a:defRPr>
-            </a:lvl7pPr>
-            <a:lvl8pPr marL="1371600" algn="l" rtl="0" fontAlgn="base">
-              <a:spcBef>
-                <a:spcPct val="0"/>
-              </a:spcBef>
-              <a:spcAft>
-                <a:spcPct val="0"/>
-              </a:spcAft>
-              <a:defRPr sz="3600" b="1">
-                <a:solidFill>
-                  <a:srgbClr val="000066"/>
-                </a:solidFill>
-                <a:latin typeface="Arial" charset="0"/>
-              </a:defRPr>
-            </a:lvl8pPr>
-            <a:lvl9pPr marL="1828800" algn="l" rtl="0" fontAlgn="base">
-              <a:spcBef>
-                <a:spcPct val="0"/>
-              </a:spcBef>
-              <a:spcAft>
-                <a:spcPct val="0"/>
-              </a:spcAft>
-              <a:defRPr sz="3600" b="1">
-                <a:solidFill>
-                  <a:srgbClr val="000066"/>
-                </a:solidFill>
-                <a:latin typeface="Arial" charset="0"/>
-              </a:defRPr>
-            </a:lvl9pPr>
-          </a:lstStyle>
-          <a:p>
-            <a:pPr marL="271463" indent="-271463"/>
-            <a:r>
-              <a:rPr lang="da-DK" altLang="da-DK" sz="2800" dirty="0" smtClean="0"/>
-              <a:t>Brug af </a:t>
-            </a:r>
-            <a:r>
-              <a:rPr lang="da-DK" altLang="da-DK" sz="2800" dirty="0" smtClean="0"/>
-              <a:t>Zoom – for dem, der er med </a:t>
-            </a:r>
-            <a:r>
-              <a:rPr lang="da-DK" altLang="da-DK" sz="2800" dirty="0" err="1" smtClean="0"/>
-              <a:t>on-line</a:t>
-            </a:r>
-            <a:endParaRPr lang="da-DK" altLang="da-DK" sz="2800" dirty="0"/>
-          </a:p>
-        </p:txBody>
-      </p:sp>
-      <p:sp>
-        <p:nvSpPr>
-          <p:cNvPr id="8" name="Content Placeholder 2"/>
-          <p:cNvSpPr txBox="1">
-            <a:spLocks/>
-          </p:cNvSpPr>
-          <p:nvPr/>
-        </p:nvSpPr>
-        <p:spPr bwMode="auto">
-          <a:xfrm>
-            <a:off x="611560" y="1052736"/>
-            <a:ext cx="8352928" cy="5400600"/>
-          </a:xfrm>
-          <a:prstGeom prst="rect">
-            <a:avLst/>
-          </a:prstGeom>
-          <a:noFill/>
-          <a:ln>
-            <a:noFill/>
-          </a:ln>
-          <a:extLst>
-            <a:ext uri="{909E8E84-426E-40DD-AFC4-6F175D3DCCD1}">
-              <a14:hiddenFill xmlns:a14="http://schemas.microsoft.com/office/drawing/2010/main">
-                <a:solidFill>
-                  <a:srgbClr val="FFFFFF"/>
-                </a:solidFill>
-              </a14:hiddenFill>
-            </a:ext>
-            <a:ext uri="{91240B29-F687-4F45-9708-019B960494DF}">
-              <a14:hiddenLine xmlns:a14="http://schemas.microsoft.com/office/drawing/2010/main" w="9525">
-                <a:solidFill>
-                  <a:srgbClr val="000000"/>
-                </a:solidFill>
-                <a:miter lim="800000"/>
-                <a:headEnd/>
-                <a:tailEnd/>
-              </a14:hiddenLine>
-            </a:ext>
-          </a:extLst>
-        </p:spPr>
-        <p:txBody>
-          <a:bodyPr/>
-          <a:lstStyle>
-            <a:lvl1pPr eaLnBrk="0" hangingPunct="0">
-              <a:spcBef>
-                <a:spcPct val="20000"/>
-              </a:spcBef>
-              <a:buChar char="•"/>
-              <a:defRPr sz="2400" b="1">
-                <a:solidFill>
-                  <a:srgbClr val="A50021"/>
-                </a:solidFill>
-                <a:latin typeface="Arial" pitchFamily="34" charset="0"/>
-                <a:ea typeface="ＭＳ Ｐゴシック" pitchFamily="34" charset="-128"/>
-              </a:defRPr>
-            </a:lvl1pPr>
-            <a:lvl2pPr eaLnBrk="0" hangingPunct="0">
-              <a:spcBef>
-                <a:spcPct val="20000"/>
-              </a:spcBef>
-              <a:buChar char="–"/>
-              <a:defRPr sz="2000">
-                <a:solidFill>
-                  <a:srgbClr val="000066"/>
-                </a:solidFill>
-                <a:latin typeface="Arial" pitchFamily="34" charset="0"/>
-                <a:ea typeface="ＭＳ Ｐゴシック" pitchFamily="34" charset="-128"/>
-              </a:defRPr>
-            </a:lvl2pPr>
-            <a:lvl3pPr eaLnBrk="0" hangingPunct="0">
-              <a:spcBef>
-                <a:spcPct val="20000"/>
-              </a:spcBef>
-              <a:buChar char="•"/>
-              <a:defRPr sz="1600">
-                <a:solidFill>
-                  <a:schemeClr val="tx1"/>
-                </a:solidFill>
-                <a:latin typeface="Arial" pitchFamily="34" charset="0"/>
-                <a:ea typeface="ＭＳ Ｐゴシック" pitchFamily="34" charset="-128"/>
-              </a:defRPr>
-            </a:lvl3pPr>
-            <a:lvl4pPr eaLnBrk="0" hangingPunct="0">
-              <a:spcBef>
-                <a:spcPct val="20000"/>
-              </a:spcBef>
-              <a:buChar char="–"/>
-              <a:defRPr sz="1600">
-                <a:solidFill>
-                  <a:schemeClr val="tx1"/>
-                </a:solidFill>
-                <a:latin typeface="Times New Roman" pitchFamily="18" charset="0"/>
-                <a:ea typeface="ＭＳ Ｐゴシック" pitchFamily="34" charset="-128"/>
-              </a:defRPr>
-            </a:lvl4pPr>
-            <a:lvl5pPr eaLnBrk="0" hangingPunct="0">
-              <a:spcBef>
-                <a:spcPct val="20000"/>
-              </a:spcBef>
-              <a:buChar char="»"/>
-              <a:defRPr sz="1200">
-                <a:solidFill>
-                  <a:schemeClr val="tx1"/>
-                </a:solidFill>
-                <a:latin typeface="Times New Roman" pitchFamily="18" charset="0"/>
-                <a:ea typeface="ＭＳ Ｐゴシック" pitchFamily="34" charset="-128"/>
-              </a:defRPr>
-            </a:lvl5pPr>
-            <a:lvl6pPr eaLnBrk="0" fontAlgn="base" hangingPunct="0">
-              <a:spcBef>
-                <a:spcPct val="20000"/>
-              </a:spcBef>
-              <a:spcAft>
-                <a:spcPct val="0"/>
-              </a:spcAft>
-              <a:buChar char="»"/>
-              <a:defRPr sz="1200">
-                <a:solidFill>
-                  <a:schemeClr val="tx1"/>
-                </a:solidFill>
-                <a:latin typeface="Times New Roman" pitchFamily="18" charset="0"/>
-                <a:ea typeface="ＭＳ Ｐゴシック" pitchFamily="34" charset="-128"/>
-              </a:defRPr>
-            </a:lvl6pPr>
-            <a:lvl7pPr eaLnBrk="0" fontAlgn="base" hangingPunct="0">
-              <a:spcBef>
-                <a:spcPct val="20000"/>
-              </a:spcBef>
-              <a:spcAft>
-                <a:spcPct val="0"/>
-              </a:spcAft>
-              <a:buChar char="»"/>
-              <a:defRPr sz="1200">
-                <a:solidFill>
-                  <a:schemeClr val="tx1"/>
-                </a:solidFill>
-                <a:latin typeface="Times New Roman" pitchFamily="18" charset="0"/>
-                <a:ea typeface="ＭＳ Ｐゴシック" pitchFamily="34" charset="-128"/>
-              </a:defRPr>
-            </a:lvl7pPr>
-            <a:lvl8pPr eaLnBrk="0" fontAlgn="base" hangingPunct="0">
-              <a:spcBef>
-                <a:spcPct val="20000"/>
-              </a:spcBef>
-              <a:spcAft>
-                <a:spcPct val="0"/>
-              </a:spcAft>
-              <a:buChar char="»"/>
-              <a:defRPr sz="1200">
-                <a:solidFill>
-                  <a:schemeClr val="tx1"/>
-                </a:solidFill>
-                <a:latin typeface="Times New Roman" pitchFamily="18" charset="0"/>
-                <a:ea typeface="ＭＳ Ｐゴシック" pitchFamily="34" charset="-128"/>
-              </a:defRPr>
-            </a:lvl8pPr>
-            <a:lvl9pPr eaLnBrk="0" fontAlgn="base" hangingPunct="0">
-              <a:spcBef>
-                <a:spcPct val="20000"/>
-              </a:spcBef>
-              <a:spcAft>
-                <a:spcPct val="0"/>
-              </a:spcAft>
-              <a:buChar char="»"/>
-              <a:defRPr sz="1200">
-                <a:solidFill>
-                  <a:schemeClr val="tx1"/>
-                </a:solidFill>
-                <a:latin typeface="Times New Roman" pitchFamily="18" charset="0"/>
-                <a:ea typeface="ＭＳ Ｐゴシック" pitchFamily="34" charset="-128"/>
-              </a:defRPr>
-            </a:lvl9pPr>
-          </a:lstStyle>
-          <a:p>
-            <a:pPr marL="271463" lvl="1" indent="-271463">
-              <a:spcBef>
-                <a:spcPts val="1800"/>
-              </a:spcBef>
-              <a:buFontTx/>
-              <a:buChar char="•"/>
-            </a:pPr>
-            <a:r>
-              <a:rPr lang="da-DK" altLang="da-DK" sz="1800" b="1" spc="-40" dirty="0" smtClean="0">
-                <a:solidFill>
-                  <a:srgbClr val="A50021"/>
-                </a:solidFill>
-              </a:rPr>
-              <a:t>Om lidt åbner jeg i Zoom for et antal såkaldte “</a:t>
-            </a:r>
-            <a:r>
-              <a:rPr lang="da-DK" altLang="da-DK" sz="1800" b="1" spc="-40" dirty="0" err="1" smtClean="0">
-                <a:solidFill>
-                  <a:srgbClr val="A50021"/>
-                </a:solidFill>
-              </a:rPr>
-              <a:t>breakout</a:t>
-            </a:r>
-            <a:r>
-              <a:rPr lang="da-DK" altLang="da-DK" sz="1800" b="1" spc="-40" dirty="0" smtClean="0">
-                <a:solidFill>
-                  <a:srgbClr val="A50021"/>
-                </a:solidFill>
-              </a:rPr>
-              <a:t> </a:t>
-            </a:r>
-            <a:r>
-              <a:rPr lang="da-DK" altLang="da-DK" sz="1800" b="1" spc="-40" dirty="0" err="1" smtClean="0">
-                <a:solidFill>
-                  <a:srgbClr val="A50021"/>
-                </a:solidFill>
-              </a:rPr>
-              <a:t>rooms</a:t>
-            </a:r>
-            <a:r>
-              <a:rPr lang="da-DK" altLang="da-DK" sz="1800" b="1" spc="-40" dirty="0" smtClean="0">
-                <a:solidFill>
-                  <a:srgbClr val="A50021"/>
-                </a:solidFill>
-              </a:rPr>
-              <a:t>”</a:t>
-            </a:r>
-          </a:p>
-          <a:p>
-            <a:pPr marL="742950" lvl="1" indent="-285750">
-              <a:spcBef>
-                <a:spcPts val="600"/>
-              </a:spcBef>
-            </a:pPr>
-            <a:r>
-              <a:rPr lang="da-DK" altLang="da-DK" sz="1600" dirty="0"/>
-              <a:t>I skal så, hver især gå ind i det rum, der har samme nummer som jeres programmeringspar, (f.eks. skal deltagerne i Par 7 gå ind i Room 7</a:t>
-            </a:r>
-            <a:r>
-              <a:rPr lang="da-DK" altLang="da-DK" sz="1600" dirty="0" smtClean="0"/>
-              <a:t>)</a:t>
-            </a:r>
-          </a:p>
-          <a:p>
-            <a:pPr marL="742950" lvl="1" indent="-285750">
-              <a:spcBef>
-                <a:spcPts val="600"/>
-              </a:spcBef>
-            </a:pPr>
-            <a:r>
-              <a:rPr lang="da-DK" altLang="da-DK" sz="1600" dirty="0" smtClean="0"/>
-              <a:t>Hvis begge er til stede fysisk, behøver I </a:t>
-            </a:r>
-            <a:r>
-              <a:rPr lang="da-DK" altLang="da-DK" sz="1600" b="1" dirty="0" smtClean="0">
-                <a:solidFill>
-                  <a:srgbClr val="008000"/>
-                </a:solidFill>
-              </a:rPr>
-              <a:t>ikke</a:t>
-            </a:r>
-            <a:r>
-              <a:rPr lang="da-DK" altLang="da-DK" sz="1600" dirty="0" smtClean="0"/>
-              <a:t> at bruge breakout rummet</a:t>
-            </a:r>
-            <a:endParaRPr lang="da-DK" altLang="da-DK" sz="1600" dirty="0"/>
-          </a:p>
-          <a:p>
-            <a:pPr marL="742950" lvl="1" indent="-285750">
-              <a:spcBef>
-                <a:spcPts val="600"/>
-              </a:spcBef>
-            </a:pPr>
-            <a:r>
-              <a:rPr lang="da-DK" altLang="da-DK" sz="1600" dirty="0" smtClean="0"/>
-              <a:t>I går ind i rummet ved </a:t>
-            </a:r>
-            <a:r>
-              <a:rPr lang="da-DK" altLang="da-DK" sz="1600" dirty="0"/>
-              <a:t>at trykke på “Breakout </a:t>
-            </a:r>
-            <a:r>
-              <a:rPr lang="da-DK" altLang="da-DK" sz="1600" dirty="0" err="1"/>
-              <a:t>Rooms</a:t>
-            </a:r>
-            <a:r>
-              <a:rPr lang="da-DK" altLang="da-DK" sz="1600" dirty="0"/>
-              <a:t>” nederst i Zoom vinduet og derpå på “</a:t>
-            </a:r>
-            <a:r>
-              <a:rPr lang="da-DK" altLang="da-DK" sz="1600" dirty="0" err="1"/>
-              <a:t>Join</a:t>
-            </a:r>
-            <a:r>
-              <a:rPr lang="da-DK" altLang="da-DK" sz="1600" dirty="0"/>
-              <a:t>” ud for det rum, som I vil gå ind i</a:t>
-            </a:r>
-          </a:p>
-          <a:p>
-            <a:pPr marL="271463" lvl="1" indent="-271463">
-              <a:spcBef>
-                <a:spcPts val="1200"/>
-              </a:spcBef>
-              <a:buFontTx/>
-              <a:buChar char="•"/>
-            </a:pPr>
-            <a:r>
-              <a:rPr lang="da-DK" altLang="da-DK" sz="1800" b="1" spc="-40" dirty="0" smtClean="0">
-                <a:solidFill>
-                  <a:srgbClr val="A50021"/>
-                </a:solidFill>
-              </a:rPr>
-              <a:t>Inde </a:t>
-            </a:r>
-            <a:r>
-              <a:rPr lang="da-DK" altLang="da-DK" sz="1800" b="1" spc="-40" dirty="0" smtClean="0">
-                <a:solidFill>
-                  <a:srgbClr val="A50021"/>
-                </a:solidFill>
-              </a:rPr>
-              <a:t>i breakout rummet</a:t>
-            </a:r>
-          </a:p>
-          <a:p>
-            <a:pPr marL="742950" lvl="1" indent="-285750">
-              <a:spcBef>
-                <a:spcPts val="600"/>
-              </a:spcBef>
-            </a:pPr>
-            <a:r>
-              <a:rPr lang="da-DK" altLang="da-DK" sz="1600" dirty="0" smtClean="0"/>
-              <a:t>I er nu i et nyt rum og kan kun kommunikere med dem der er i det rum</a:t>
-            </a:r>
-          </a:p>
-          <a:p>
-            <a:pPr marL="742950" lvl="1" indent="-285750">
-              <a:spcBef>
-                <a:spcPts val="600"/>
-              </a:spcBef>
-            </a:pPr>
-            <a:r>
-              <a:rPr lang="da-DK" altLang="da-DK" sz="1600" dirty="0" smtClean="0"/>
-              <a:t>I kan dele den ene af jeres computerskærme (eller eventuelt dem begge) – på den måde kan I arbejde på et fælles </a:t>
-            </a:r>
-            <a:r>
-              <a:rPr lang="da-DK" altLang="da-DK" sz="1600" dirty="0" err="1"/>
-              <a:t>B</a:t>
-            </a:r>
-            <a:r>
-              <a:rPr lang="da-DK" altLang="da-DK" sz="1600" dirty="0" err="1" smtClean="0"/>
-              <a:t>lueJ</a:t>
-            </a:r>
-            <a:r>
-              <a:rPr lang="da-DK" altLang="da-DK" sz="1600" dirty="0" smtClean="0"/>
-              <a:t> projekt (tryk på ”</a:t>
-            </a:r>
-            <a:r>
-              <a:rPr lang="da-DK" altLang="da-DK" sz="1600" dirty="0" err="1" smtClean="0"/>
-              <a:t>Share</a:t>
-            </a:r>
-            <a:r>
-              <a:rPr lang="da-DK" altLang="da-DK" sz="1600" dirty="0" smtClean="0"/>
-              <a:t> Screen” og dernæst på ”Screen”)</a:t>
-            </a:r>
-          </a:p>
-          <a:p>
-            <a:pPr marL="742950" lvl="1" indent="-285750">
-              <a:spcBef>
-                <a:spcPts val="600"/>
-              </a:spcBef>
-            </a:pPr>
-            <a:r>
-              <a:rPr lang="da-DK" altLang="da-DK" sz="1600" dirty="0" smtClean="0"/>
-              <a:t>I kan tale sammen og skrive beskeder til hinanden via chat faciliteten</a:t>
-            </a:r>
-          </a:p>
-          <a:p>
-            <a:pPr marL="271463" lvl="1" indent="-271463">
-              <a:spcBef>
-                <a:spcPts val="1200"/>
-              </a:spcBef>
-              <a:buFontTx/>
-              <a:buChar char="•"/>
-            </a:pPr>
-            <a:r>
-              <a:rPr lang="da-DK" altLang="da-DK" sz="1800" b="1" spc="-40" dirty="0" smtClean="0">
-                <a:solidFill>
-                  <a:srgbClr val="A50021"/>
-                </a:solidFill>
-              </a:rPr>
-              <a:t>Instruktorerne vil “bevæge” sig rundt mellem rummene og hjælpe jer</a:t>
-            </a:r>
-          </a:p>
-          <a:p>
-            <a:pPr marL="742950" lvl="1" indent="-285750">
-              <a:spcBef>
-                <a:spcPts val="600"/>
-              </a:spcBef>
-            </a:pPr>
-            <a:r>
-              <a:rPr lang="da-DK" altLang="da-DK" sz="1600" spc="-40" dirty="0" smtClean="0"/>
-              <a:t>Hvis I vil tilkalde hjælp fra instruktorerne, nytter det ikke at bruge chat faciliteten i Zoom, idet beskeden kun kan læses af dem, som allerede er i rummet, når den skrives </a:t>
-            </a:r>
-          </a:p>
-          <a:p>
-            <a:pPr marL="742950" lvl="1" indent="-285750">
-              <a:spcBef>
-                <a:spcPts val="600"/>
-              </a:spcBef>
-            </a:pPr>
-            <a:r>
-              <a:rPr lang="da-DK" altLang="da-DK" sz="1600" spc="-40" dirty="0" smtClean="0"/>
-              <a:t>I stedet kan I trykke på linket “</a:t>
-            </a:r>
-            <a:r>
-              <a:rPr lang="da-DK" altLang="da-DK" sz="1600" b="1" spc="-40" dirty="0" smtClean="0"/>
-              <a:t>Tilkald hjælp</a:t>
-            </a:r>
-            <a:r>
-              <a:rPr lang="da-DK" altLang="da-DK" sz="1600" spc="-40" dirty="0" smtClean="0"/>
-              <a:t>” øverst på siden ”</a:t>
-            </a:r>
-            <a:r>
-              <a:rPr lang="da-DK" altLang="da-DK" sz="1600" b="1" spc="-40" dirty="0" smtClean="0"/>
-              <a:t>Seminar 1 – </a:t>
-            </a:r>
-            <a:r>
-              <a:rPr lang="da-DK" altLang="da-DK" sz="1600" b="1" spc="-40" dirty="0" smtClean="0"/>
-              <a:t>3. </a:t>
-            </a:r>
-            <a:r>
-              <a:rPr lang="da-DK" altLang="da-DK" sz="1600" b="1" spc="-40" dirty="0" smtClean="0"/>
-              <a:t>januar</a:t>
-            </a:r>
-            <a:r>
-              <a:rPr lang="da-DK" altLang="da-DK" sz="1600" spc="-40" dirty="0" smtClean="0"/>
-              <a:t>”</a:t>
-            </a:r>
-          </a:p>
-          <a:p>
-            <a:pPr marL="742950" lvl="1" indent="-285750">
-              <a:spcBef>
-                <a:spcPts val="600"/>
-              </a:spcBef>
-            </a:pPr>
-            <a:r>
-              <a:rPr lang="da-DK" altLang="da-DK" sz="1600" spc="-40" dirty="0" smtClean="0"/>
-              <a:t>Så får I adgang til et delt Googler Docs dokument, hvor I kan skrive jer på en venteliste</a:t>
-            </a:r>
-          </a:p>
-        </p:txBody>
-      </p:sp>
-    </p:spTree>
-    <p:extLst>
-      <p:ext uri="{BB962C8B-B14F-4D97-AF65-F5344CB8AC3E}">
-        <p14:creationId xmlns:p14="http://schemas.microsoft.com/office/powerpoint/2010/main" val="3094025146"/>
       </p:ext>
     </p:extLst>
   </p:cSld>
@@ -11027,7 +11708,7 @@
         <p:spPr bwMode="auto">
           <a:xfrm>
             <a:off x="459225" y="260349"/>
-            <a:ext cx="8577271" cy="682625"/>
+            <a:ext cx="8505263" cy="682625"/>
           </a:xfrm>
           <a:prstGeom prst="rect">
             <a:avLst/>
@@ -11200,7 +11881,15 @@
             <a:pPr marL="271463" indent="-271463"/>
             <a:r>
               <a:rPr lang="da-DK" altLang="da-DK" sz="2800" dirty="0" smtClean="0"/>
-              <a:t>Frem mod næste seminar</a:t>
+              <a:t>Brug af Zoom – </a:t>
+            </a:r>
+            <a:r>
+              <a:rPr lang="da-DK" altLang="da-DK" sz="2800" dirty="0" smtClean="0"/>
+              <a:t>breakout-</a:t>
+            </a:r>
+            <a:r>
+              <a:rPr lang="da-DK" altLang="da-DK" sz="2800" dirty="0" err="1" smtClean="0"/>
+              <a:t>rooms</a:t>
             </a:r>
             <a:endParaRPr lang="da-DK" altLang="da-DK" sz="2800" dirty="0"/>
           </a:p>
@@ -11208,7 +11897,7 @@
       </p:sp>
       <p:sp>
         <p:nvSpPr>
-          <p:cNvPr id="5" name="Content Placeholder 2"/>
+          <p:cNvPr id="8" name="Content Placeholder 2"/>
           <p:cNvSpPr txBox="1">
             <a:spLocks/>
           </p:cNvSpPr>
@@ -11216,8 +11905,8 @@
         </p:nvSpPr>
         <p:spPr bwMode="auto">
           <a:xfrm>
-            <a:off x="539552" y="1124744"/>
-            <a:ext cx="8496944" cy="5733256"/>
+            <a:off x="611560" y="1052736"/>
+            <a:ext cx="8352928" cy="5400600"/>
           </a:xfrm>
           <a:prstGeom prst="rect">
             <a:avLst/>
@@ -11388,12 +12077,44 @@
               <a:buChar char="•"/>
             </a:pPr>
             <a:r>
-              <a:rPr lang="da-DK" altLang="da-DK" sz="1800" b="1" spc="-40" dirty="0" smtClean="0">
+              <a:rPr lang="da-DK" altLang="da-DK" sz="1800" b="1" dirty="0" smtClean="0">
                 <a:solidFill>
                   <a:srgbClr val="A50021"/>
                 </a:solidFill>
               </a:rPr>
-              <a:t>Forelæsningerne kan genses inde på side ”Videoer fra forelæsninger”</a:t>
+              <a:t>Om lidt åbner jeg i Zoom for et antal såkaldte “</a:t>
+            </a:r>
+            <a:r>
+              <a:rPr lang="da-DK" altLang="da-DK" sz="1800" b="1" dirty="0" err="1" smtClean="0">
+                <a:solidFill>
+                  <a:srgbClr val="A50021"/>
+                </a:solidFill>
+              </a:rPr>
+              <a:t>breakout</a:t>
+            </a:r>
+            <a:r>
+              <a:rPr lang="da-DK" altLang="da-DK" sz="1800" b="1" dirty="0" smtClean="0">
+                <a:solidFill>
+                  <a:srgbClr val="A50021"/>
+                </a:solidFill>
+              </a:rPr>
+              <a:t> </a:t>
+            </a:r>
+            <a:r>
+              <a:rPr lang="da-DK" altLang="da-DK" sz="1800" b="1" dirty="0" err="1" smtClean="0">
+                <a:solidFill>
+                  <a:srgbClr val="A50021"/>
+                </a:solidFill>
+              </a:rPr>
+              <a:t>rooms</a:t>
+            </a:r>
+            <a:r>
+              <a:rPr lang="da-DK" altLang="da-DK" sz="1800" b="1" dirty="0" smtClean="0">
+                <a:solidFill>
+                  <a:srgbClr val="A50021"/>
+                </a:solidFill>
+              </a:rPr>
+              <a:t>”</a:t>
             </a:r>
           </a:p>
           <a:p>
@@ -11403,8 +12124,67 @@
               </a:spcBef>
             </a:pPr>
             <a:r>
+              <a:rPr lang="da-DK" altLang="da-DK" sz="1600" dirty="0"/>
+              <a:t>I skal så, hver især gå ind i det rum, der har samme nummer som jeres programmeringspar, (f.eks. skal deltagerne i Par 7 gå ind i Room 7</a:t>
+            </a:r>
+            <a:r>
               <a:rPr lang="da-DK" altLang="da-DK" sz="1600" dirty="0" smtClean="0"/>
-              <a:t>Klar ca. 1 time efter forelæsningen</a:t>
+              <a:t>)</a:t>
+            </a:r>
+          </a:p>
+          <a:p>
+            <a:pPr marL="742950" lvl="1" indent="-285750">
+              <a:spcBef>
+                <a:spcPts val="600"/>
+              </a:spcBef>
+            </a:pPr>
+            <a:r>
+              <a:rPr lang="da-DK" altLang="da-DK" sz="1600" dirty="0" smtClean="0"/>
+              <a:t>Hvis begge er til stede fysisk, behøver I dog </a:t>
+            </a:r>
+            <a:r>
+              <a:rPr lang="da-DK" altLang="da-DK" sz="1600" b="1" dirty="0" smtClean="0">
+                <a:solidFill>
+                  <a:srgbClr val="008000"/>
+                </a:solidFill>
+              </a:rPr>
+              <a:t>ikke</a:t>
+            </a:r>
+            <a:r>
+              <a:rPr lang="da-DK" altLang="da-DK" sz="1600" dirty="0" smtClean="0"/>
+              <a:t> at bruge breakout rummet</a:t>
+            </a:r>
+            <a:endParaRPr lang="da-DK" altLang="da-DK" sz="1600" dirty="0"/>
+          </a:p>
+          <a:p>
+            <a:pPr marL="742950" lvl="1" indent="-285750">
+              <a:spcBef>
+                <a:spcPts val="600"/>
+              </a:spcBef>
+            </a:pPr>
+            <a:r>
+              <a:rPr lang="da-DK" altLang="da-DK" sz="1600" dirty="0" smtClean="0"/>
+              <a:t>I går ind i rummet ved </a:t>
+            </a:r>
+            <a:r>
+              <a:rPr lang="da-DK" altLang="da-DK" sz="1600" dirty="0"/>
+              <a:t>at trykke på “Breakout </a:t>
+            </a:r>
+            <a:r>
+              <a:rPr lang="da-DK" altLang="da-DK" sz="1600" dirty="0" err="1"/>
+              <a:t>Rooms</a:t>
+            </a:r>
+            <a:r>
+              <a:rPr lang="da-DK" altLang="da-DK" sz="1600" dirty="0"/>
+              <a:t>” nederst i Zoom vinduet og derpå på “</a:t>
+            </a:r>
+            <a:r>
+              <a:rPr lang="da-DK" altLang="da-DK" sz="1600" dirty="0" err="1"/>
+              <a:t>Join</a:t>
+            </a:r>
+            <a:r>
+              <a:rPr lang="da-DK" altLang="da-DK" sz="1600" dirty="0"/>
+              <a:t>” ud for det rum, som I vil gå ind i</a:t>
             </a:r>
           </a:p>
           <a:p>
@@ -11416,12 +12196,12 @@
               <a:buChar char="•"/>
             </a:pPr>
             <a:r>
-              <a:rPr lang="da-DK" altLang="da-DK" sz="1800" b="1" spc="-60" dirty="0" smtClean="0">
+              <a:rPr lang="da-DK" altLang="da-DK" sz="1800" b="1" dirty="0" smtClean="0">
                 <a:solidFill>
                   <a:srgbClr val="A50021"/>
                 </a:solidFill>
               </a:rPr>
-              <a:t>Raflebæger 1 afleveres inde på siden ”Øvelser (inklusiv afleveringsopgaver”</a:t>
+              <a:t>Inde i breakout rummet</a:t>
             </a:r>
           </a:p>
           <a:p>
@@ -11432,11 +12212,7 @@
             </a:pPr>
             <a:r>
               <a:rPr lang="da-DK" altLang="da-DK" sz="1600" dirty="0" smtClean="0"/>
-              <a:t>Husk </a:t>
-            </a:r>
-            <a:r>
-              <a:rPr lang="da-DK" altLang="da-DK" sz="1600" dirty="0"/>
-              <a:t>at bruge testserveren før I afleverer (som beskrevet i opgaven)</a:t>
+              <a:t>I er nu i et nyt rum og kan kun kommunikere med dem der er i det rum</a:t>
             </a:r>
           </a:p>
           <a:p>
@@ -11444,12 +12220,30 @@
               <a:spcBef>
                 <a:spcPts val="600"/>
               </a:spcBef>
-              <a:buFontTx/>
-              <a:buChar char="–"/>
             </a:pPr>
             <a:r>
               <a:rPr lang="da-DK" altLang="da-DK" sz="1600" dirty="0" smtClean="0"/>
-              <a:t>Det er nok, at en fra hvert par afleverer (ellers oprettes der to afleveringer, hvor instruktoren kun retter den sidste)</a:t>
+              <a:t>I kan dele den ene af jeres computerskærme (eller eventuelt dem begge) – på den måde kan I arbejde på et fælles </a:t>
+            </a:r>
+            <a:r>
+              <a:rPr lang="da-DK" altLang="da-DK" sz="1600" dirty="0" err="1"/>
+              <a:t>B</a:t>
+            </a:r>
+            <a:r>
+              <a:rPr lang="da-DK" altLang="da-DK" sz="1600" dirty="0" err="1" smtClean="0"/>
+              <a:t>lueJ</a:t>
+            </a:r>
+            <a:r>
+              <a:rPr lang="da-DK" altLang="da-DK" sz="1600" dirty="0" smtClean="0"/>
+              <a:t> projekt (tryk på ”</a:t>
+            </a:r>
+            <a:r>
+              <a:rPr lang="da-DK" altLang="da-DK" sz="1600" dirty="0" err="1" smtClean="0"/>
+              <a:t>Share</a:t>
+            </a:r>
+            <a:r>
+              <a:rPr lang="da-DK" altLang="da-DK" sz="1600" dirty="0" smtClean="0"/>
+              <a:t> Screen” og dernæst på ”Screen”)</a:t>
             </a:r>
           </a:p>
           <a:p>
@@ -11457,33 +12251,10 @@
               <a:spcBef>
                 <a:spcPts val="600"/>
               </a:spcBef>
-              <a:buFontTx/>
-              <a:buChar char="–"/>
             </a:pPr>
             <a:r>
               <a:rPr lang="da-DK" altLang="da-DK" sz="1600" dirty="0" smtClean="0"/>
-              <a:t>Når instruktorerne har rettet en opgave, kan I se hans kommentarer samme sted, som I afleverede</a:t>
-            </a:r>
-          </a:p>
-          <a:p>
-            <a:pPr marL="742950" lvl="1" indent="-285750">
-              <a:spcBef>
-                <a:spcPts val="600"/>
-              </a:spcBef>
-              <a:buFontTx/>
-              <a:buChar char="–"/>
-            </a:pPr>
-            <a:r>
-              <a:rPr lang="da-DK" altLang="da-DK" sz="1600" dirty="0" smtClean="0"/>
-              <a:t>Der er sikkert mange, der vil få genaflevering de første gange – for at rette småting i jeres programmeringsstil (der kommer mere info om, hvilken stil I bør benytte på næste seminar – se eventuelt også </a:t>
-            </a:r>
-            <a:r>
-              <a:rPr lang="da-DK" altLang="da-DK" sz="1600" dirty="0" err="1" smtClean="0"/>
-              <a:t>Appendix</a:t>
-            </a:r>
-            <a:r>
-              <a:rPr lang="da-DK" altLang="da-DK" sz="1600" dirty="0" smtClean="0"/>
-              <a:t> J i BlueJ bogen)</a:t>
+              <a:t>I kan tale sammen og skrive beskeder til hinanden via chat faciliteten</a:t>
             </a:r>
           </a:p>
           <a:p>
@@ -11495,57 +12266,69 @@
               <a:buChar char="•"/>
             </a:pPr>
             <a:r>
-              <a:rPr lang="da-DK" altLang="da-DK" sz="1800" b="1" spc="-40" dirty="0" smtClean="0">
+              <a:rPr lang="da-DK" altLang="da-DK" sz="1800" b="1" dirty="0" smtClean="0">
                 <a:solidFill>
                   <a:srgbClr val="A50021"/>
                 </a:solidFill>
               </a:rPr>
-              <a:t>Quizzerne</a:t>
-            </a:r>
-            <a:endParaRPr lang="da-DK" altLang="da-DK" sz="1800" b="1" spc="-40" dirty="0">
-              <a:solidFill>
-                <a:srgbClr val="A50021"/>
-              </a:solidFill>
-            </a:endParaRPr>
+              <a:t>Instruktorerne vil “bevæge” sig rundt mellem rummene og hjælpe jer</a:t>
+            </a:r>
           </a:p>
           <a:p>
             <a:pPr marL="742950" lvl="1" indent="-285750">
               <a:spcBef>
                 <a:spcPts val="600"/>
               </a:spcBef>
-              <a:buFontTx/>
-              <a:buChar char="–"/>
             </a:pPr>
             <a:r>
-              <a:rPr lang="da-DK" altLang="da-DK" sz="1600" spc="-70" dirty="0" smtClean="0"/>
-              <a:t>Quizzerne løses ved hjælp af en quizserver (adgangskode og password er den samme, som for </a:t>
-            </a:r>
-            <a:r>
-              <a:rPr lang="da-DK" altLang="da-DK" sz="1600" spc="-70" dirty="0" smtClean="0"/>
-              <a:t>testserveren – den får I tilsendt første gang I bruger testserveren)</a:t>
-            </a:r>
-            <a:endParaRPr lang="da-DK" altLang="da-DK" sz="1600" dirty="0" smtClean="0"/>
+              <a:rPr lang="da-DK" altLang="da-DK" sz="1600" spc="-40" dirty="0" smtClean="0"/>
+              <a:t>Hvis I vil tilkalde hjælp fra instruktorerne, nytter det ikke at bruge chat faciliteten i Zoom, idet beskeden kun kan læses af dem, som allerede er i rummet, når den skrives </a:t>
+            </a:r>
           </a:p>
           <a:p>
             <a:pPr marL="742950" lvl="1" indent="-285750">
               <a:spcBef>
                 <a:spcPts val="600"/>
               </a:spcBef>
-              <a:buFontTx/>
-              <a:buChar char="–"/>
             </a:pPr>
             <a:r>
-              <a:rPr lang="da-DK" altLang="da-DK" sz="1600" dirty="0" smtClean="0"/>
-              <a:t>Løs quizzerne ”så sent som muligt” (så I når at have læst stoffet først)</a:t>
-            </a:r>
-            <a:endParaRPr lang="da-DK" altLang="da-DK" sz="1600" dirty="0"/>
+              <a:rPr lang="da-DK" altLang="da-DK" sz="1600" spc="-40" dirty="0" smtClean="0"/>
+              <a:t>I stedet kan I trykke på linket “</a:t>
+            </a:r>
+            <a:r>
+              <a:rPr lang="da-DK" altLang="da-DK" sz="1600" b="1" spc="-40" dirty="0" smtClean="0"/>
+              <a:t>Tilkald hjælp</a:t>
+            </a:r>
+            <a:r>
+              <a:rPr lang="da-DK" altLang="da-DK" sz="1600" spc="-40" dirty="0" smtClean="0"/>
+              <a:t>” øverst på siden ”</a:t>
+            </a:r>
+            <a:r>
+              <a:rPr lang="da-DK" altLang="da-DK" sz="1600" b="1" spc="-40" dirty="0" smtClean="0"/>
+              <a:t>Seminar 1 – 3. januar</a:t>
+            </a:r>
+            <a:r>
+              <a:rPr lang="da-DK" altLang="da-DK" sz="1600" spc="-40" dirty="0" smtClean="0"/>
+              <a:t>”</a:t>
+            </a:r>
+          </a:p>
+          <a:p>
+            <a:pPr marL="742950" lvl="1" indent="-285750">
+              <a:spcBef>
+                <a:spcPts val="600"/>
+              </a:spcBef>
+            </a:pPr>
+            <a:r>
+              <a:rPr lang="da-DK" altLang="da-DK" sz="1600" spc="-40" dirty="0" smtClean="0"/>
+              <a:t>Så får I adgang til et delt Googler Docs dokument, hvor I kan skrive jer på en venteliste</a:t>
+            </a:r>
           </a:p>
         </p:txBody>
       </p:sp>
     </p:spTree>
     <p:extLst>
       <p:ext uri="{BB962C8B-B14F-4D97-AF65-F5344CB8AC3E}">
-        <p14:creationId xmlns:p14="http://schemas.microsoft.com/office/powerpoint/2010/main" val="1240138285"/>
+        <p14:creationId xmlns:p14="http://schemas.microsoft.com/office/powerpoint/2010/main" val="3094025146"/>
       </p:ext>
     </p:extLst>
   </p:cSld>
@@ -11763,7 +12546,7 @@
             <a:pPr marL="271463" indent="-271463"/>
             <a:r>
               <a:rPr lang="da-DK" altLang="da-DK" sz="2800" dirty="0" smtClean="0"/>
-              <a:t>Frem mod næste seminar (fortsat)</a:t>
+              <a:t>Frem mod næste seminar</a:t>
             </a:r>
             <a:endParaRPr lang="da-DK" altLang="da-DK" sz="2800" dirty="0"/>
           </a:p>
@@ -11780,7 +12563,7 @@
         <p:spPr bwMode="auto">
           <a:xfrm>
             <a:off x="539552" y="1124744"/>
-            <a:ext cx="8496944" cy="5733256"/>
+            <a:ext cx="8496944" cy="4968552"/>
           </a:xfrm>
           <a:prstGeom prst="rect">
             <a:avLst/>
@@ -11945,20 +12728,127 @@
           <a:p>
             <a:pPr marL="271463" lvl="1" indent="-271463">
               <a:spcBef>
-                <a:spcPts val="1200"/>
+                <a:spcPts val="1800"/>
               </a:spcBef>
               <a:buFontTx/>
               <a:buChar char="•"/>
             </a:pPr>
             <a:r>
-              <a:rPr lang="da-DK" altLang="da-DK" sz="1800" b="1" spc="-40" dirty="0" smtClean="0">
+              <a:rPr lang="da-DK" altLang="da-DK" sz="1800" b="1" dirty="0" smtClean="0">
                 <a:solidFill>
                   <a:srgbClr val="A50021"/>
                 </a:solidFill>
               </a:rPr>
-              <a:t>Diskussionsforummet</a:t>
-            </a:r>
-            <a:endParaRPr lang="da-DK" altLang="da-DK" sz="1800" b="1" spc="-40" dirty="0">
+              <a:t>Forelæsningerne kan genses inde på side ”Videoer fra forelæsninger”</a:t>
+            </a:r>
+          </a:p>
+          <a:p>
+            <a:pPr marL="742950" lvl="1" indent="-285750">
+              <a:spcBef>
+                <a:spcPts val="600"/>
+              </a:spcBef>
+            </a:pPr>
+            <a:r>
+              <a:rPr lang="da-DK" altLang="da-DK" sz="1600" dirty="0" smtClean="0"/>
+              <a:t>Klar ca. 1 time efter forelæsningen</a:t>
+            </a:r>
+          </a:p>
+          <a:p>
+            <a:pPr marL="271463" lvl="1" indent="-271463">
+              <a:spcBef>
+                <a:spcPts val="1200"/>
+              </a:spcBef>
+              <a:buFontTx/>
+              <a:buChar char="•"/>
+            </a:pPr>
+            <a:r>
+              <a:rPr lang="da-DK" altLang="da-DK" sz="1800" b="1" spc="-60" dirty="0" smtClean="0">
+                <a:solidFill>
+                  <a:srgbClr val="A50021"/>
+                </a:solidFill>
+              </a:rPr>
+              <a:t>Raflebæger 1 afleveres inde på siden ”Øvelser (inklusiv afleveringsopgaver”</a:t>
+            </a:r>
+          </a:p>
+          <a:p>
+            <a:pPr marL="742950" lvl="1" indent="-285750">
+              <a:spcBef>
+                <a:spcPts val="600"/>
+              </a:spcBef>
+            </a:pPr>
+            <a:r>
+              <a:rPr lang="da-DK" altLang="da-DK" sz="1600" dirty="0" smtClean="0"/>
+              <a:t>Husk </a:t>
+            </a:r>
+            <a:r>
+              <a:rPr lang="da-DK" altLang="da-DK" sz="1600" dirty="0"/>
+              <a:t>at bruge testserveren før I afleverer (som beskrevet i opgaven)</a:t>
+            </a:r>
+          </a:p>
+          <a:p>
+            <a:pPr marL="742950" lvl="1" indent="-285750">
+              <a:spcBef>
+                <a:spcPts val="600"/>
+              </a:spcBef>
+              <a:buFontTx/>
+              <a:buChar char="–"/>
+            </a:pPr>
+            <a:r>
+              <a:rPr lang="da-DK" altLang="da-DK" sz="1600" dirty="0" smtClean="0"/>
+              <a:t>Det er nok, at en fra hvert par afleverer (ellers oprettes der to afleveringer, hvor instruktoren kun retter den sidste)</a:t>
+            </a:r>
+          </a:p>
+          <a:p>
+            <a:pPr marL="742950" lvl="1" indent="-285750">
+              <a:spcBef>
+                <a:spcPts val="600"/>
+              </a:spcBef>
+              <a:buFontTx/>
+              <a:buChar char="–"/>
+            </a:pPr>
+            <a:r>
+              <a:rPr lang="da-DK" altLang="da-DK" sz="1600" dirty="0" smtClean="0"/>
+              <a:t>Når instruktorerne har rettet en opgave, kan I se hans kommentarer samme sted, som I afleverede</a:t>
+            </a:r>
+          </a:p>
+          <a:p>
+            <a:pPr marL="742950" lvl="1" indent="-285750">
+              <a:spcBef>
+                <a:spcPts val="600"/>
+              </a:spcBef>
+              <a:buFontTx/>
+              <a:buChar char="–"/>
+            </a:pPr>
+            <a:r>
+              <a:rPr lang="da-DK" altLang="da-DK" sz="1600" dirty="0" smtClean="0"/>
+              <a:t>Der er sikkert mange, der vil få genaflevering de første gange – for at rette småting i jeres programmeringsstil (der kommer mere info om, hvilken stil I bør benytte på næste seminar – se eventuelt også </a:t>
+            </a:r>
+            <a:r>
+              <a:rPr lang="da-DK" altLang="da-DK" sz="1600" dirty="0" err="1" smtClean="0"/>
+              <a:t>Appendix</a:t>
+            </a:r>
+            <a:r>
+              <a:rPr lang="da-DK" altLang="da-DK" sz="1600" dirty="0" smtClean="0"/>
+              <a:t> J i BlueJ bogen)</a:t>
+            </a:r>
+          </a:p>
+          <a:p>
+            <a:pPr marL="271463" lvl="1" indent="-271463">
+              <a:spcBef>
+                <a:spcPts val="1200"/>
+              </a:spcBef>
+              <a:buFontTx/>
+              <a:buChar char="•"/>
+            </a:pPr>
+            <a:r>
+              <a:rPr lang="da-DK" altLang="da-DK" sz="1800" b="1" dirty="0" smtClean="0">
+                <a:solidFill>
+                  <a:srgbClr val="A50021"/>
+                </a:solidFill>
+              </a:rPr>
+              <a:t>Quizzerne</a:t>
+            </a:r>
+            <a:endParaRPr lang="da-DK" altLang="da-DK" sz="1800" b="1" dirty="0">
               <a:solidFill>
                 <a:srgbClr val="A50021"/>
               </a:solidFill>
@@ -11974,8 +12864,9 @@
             </a:pPr>
             <a:r>
               <a:rPr lang="da-DK" altLang="da-DK" sz="1600" spc="-70" dirty="0" smtClean="0"/>
-              <a:t>Husk at bruge diskussionsforummet – der får I hurtigt svar (også om aftenen og i weekender)</a:t>
-            </a:r>
+              <a:t>Quizzerne løses ved hjælp af en quizserver (adgangskode og password er den samme, som for testserveren – den får I tilsendt første gang I bruger testserveren)</a:t>
+            </a:r>
+            <a:endParaRPr lang="da-DK" altLang="da-DK" sz="1600" dirty="0" smtClean="0"/>
           </a:p>
           <a:p>
             <a:pPr marL="742950" lvl="1" indent="-285750">
@@ -11987,153 +12878,8 @@
             </a:pPr>
             <a:r>
               <a:rPr lang="da-DK" altLang="da-DK" sz="1600" dirty="0" smtClean="0"/>
-              <a:t>Vi vil nødigt have mails fra jer (med mindre det er om ting, der ikke vedrører andre)</a:t>
-            </a:r>
-          </a:p>
-          <a:p>
-            <a:pPr lvl="1">
-              <a:spcBef>
-                <a:spcPts val="600"/>
-              </a:spcBef>
-              <a:buNone/>
-            </a:pPr>
-            <a:endParaRPr lang="da-DK" altLang="da-DK" sz="1600" dirty="0" smtClean="0"/>
-          </a:p>
-          <a:p>
-            <a:pPr marL="271463" lvl="1" indent="-271463">
-              <a:spcBef>
-                <a:spcPts val="1200"/>
-              </a:spcBef>
-              <a:buFontTx/>
-              <a:buChar char="•"/>
-            </a:pPr>
-            <a:r>
-              <a:rPr lang="da-DK" altLang="da-DK" sz="1800" b="1" spc="-40" dirty="0">
-                <a:solidFill>
-                  <a:srgbClr val="A50021"/>
-                </a:solidFill>
-              </a:rPr>
-              <a:t>Hvis I ønsker </a:t>
-            </a:r>
-            <a:r>
-              <a:rPr lang="da-DK" altLang="da-DK" sz="1800" b="1" spc="-40" dirty="0" smtClean="0">
-                <a:solidFill>
-                  <a:srgbClr val="A50021"/>
-                </a:solidFill>
-              </a:rPr>
-              <a:t>det, kan </a:t>
-            </a:r>
-            <a:r>
-              <a:rPr lang="da-DK" altLang="da-DK" sz="1800" b="1" spc="-40" dirty="0">
-                <a:solidFill>
-                  <a:srgbClr val="A50021"/>
-                </a:solidFill>
-              </a:rPr>
-              <a:t>I arbejde sammen med </a:t>
-            </a:r>
-            <a:r>
-              <a:rPr lang="da-DK" altLang="da-DK" sz="1800" b="1" spc="-40" dirty="0" smtClean="0">
-                <a:solidFill>
-                  <a:srgbClr val="A50021"/>
-                </a:solidFill>
-              </a:rPr>
-              <a:t>jeres </a:t>
-            </a:r>
-            <a:r>
-              <a:rPr lang="da-DK" altLang="da-DK" sz="1800" b="1" spc="-40" dirty="0">
-                <a:solidFill>
-                  <a:srgbClr val="A50021"/>
-                </a:solidFill>
-              </a:rPr>
-              <a:t>makker via Zoom</a:t>
-            </a:r>
-          </a:p>
-          <a:p>
-            <a:pPr marL="742950" lvl="1" indent="-285750">
-              <a:spcBef>
-                <a:spcPts val="600"/>
-              </a:spcBef>
-            </a:pPr>
-            <a:r>
-              <a:rPr lang="da-DK" altLang="da-DK" sz="1600" dirty="0" smtClean="0"/>
-              <a:t>På siden ”Installation og brug af Zoom” under ”Info om kurset (inklusiv nyttige links)” </a:t>
-            </a:r>
-            <a:r>
-              <a:rPr lang="da-DK" altLang="da-DK" sz="1600" dirty="0"/>
-              <a:t>er det </a:t>
-            </a:r>
-            <a:r>
-              <a:rPr lang="da-DK" altLang="da-DK" sz="1600" dirty="0" smtClean="0"/>
-              <a:t>forklaret, </a:t>
-            </a:r>
-            <a:r>
-              <a:rPr lang="da-DK" altLang="da-DK" sz="1600" dirty="0"/>
-              <a:t>hvordan man selv laver et </a:t>
-            </a:r>
-            <a:r>
-              <a:rPr lang="da-DK" altLang="da-DK" sz="1600" dirty="0" smtClean="0"/>
-              <a:t>møde</a:t>
-            </a:r>
-          </a:p>
-          <a:p>
-            <a:pPr lvl="1">
-              <a:spcBef>
-                <a:spcPts val="600"/>
-              </a:spcBef>
-              <a:buNone/>
-            </a:pPr>
-            <a:endParaRPr lang="da-DK" altLang="da-DK" sz="1600" dirty="0" smtClean="0"/>
-          </a:p>
-          <a:p>
-            <a:pPr marL="271463" lvl="1" indent="-271463">
-              <a:spcBef>
-                <a:spcPts val="1200"/>
-              </a:spcBef>
-              <a:buFontTx/>
-              <a:buChar char="•"/>
-            </a:pPr>
-            <a:r>
-              <a:rPr lang="da-DK" altLang="da-DK" sz="1800" b="1" spc="-40" dirty="0">
-                <a:solidFill>
-                  <a:srgbClr val="A50021"/>
-                </a:solidFill>
-              </a:rPr>
-              <a:t>Testserveren husker jeres adgangskode og </a:t>
-            </a:r>
-            <a:r>
-              <a:rPr lang="da-DK" altLang="da-DK" sz="1800" b="1" spc="-40" dirty="0" smtClean="0">
-                <a:solidFill>
-                  <a:srgbClr val="A50021"/>
-                </a:solidFill>
-              </a:rPr>
-              <a:t>password fra gang til gang</a:t>
-            </a:r>
-            <a:endParaRPr lang="da-DK" altLang="da-DK" sz="1800" b="1" spc="-40" dirty="0">
-              <a:solidFill>
-                <a:srgbClr val="A50021"/>
-              </a:solidFill>
-            </a:endParaRPr>
-          </a:p>
-          <a:p>
-            <a:pPr marL="742950" lvl="1" indent="-285750">
-              <a:spcBef>
-                <a:spcPts val="600"/>
-              </a:spcBef>
-            </a:pPr>
-            <a:r>
-              <a:rPr lang="da-DK" altLang="da-DK" sz="1600" dirty="0" smtClean="0"/>
-              <a:t>Hvis I sender et projekt til jeres makker, bør denne fjerne filen upload-data.dat (der ligger i mappen for det enkelte BlueJ projekt), således at der køres under det rigtige navn</a:t>
-            </a:r>
-            <a:endParaRPr lang="da-DK" altLang="da-DK" sz="1600" dirty="0"/>
-          </a:p>
-          <a:p>
-            <a:pPr marL="742950" lvl="1" indent="-285750">
-              <a:spcBef>
-                <a:spcPts val="600"/>
-              </a:spcBef>
-              <a:buFontTx/>
-              <a:buChar char="–"/>
-            </a:pPr>
+              <a:t>Løs quizzerne ”så sent som muligt” (så I når at have læst stoffet først)</a:t>
+            </a:r>
             <a:endParaRPr lang="da-DK" altLang="da-DK" sz="1600" dirty="0"/>
           </a:p>
         </p:txBody>
@@ -12141,7 +12887,7 @@
     </p:spTree>
     <p:extLst>
       <p:ext uri="{BB962C8B-B14F-4D97-AF65-F5344CB8AC3E}">
-        <p14:creationId xmlns:p14="http://schemas.microsoft.com/office/powerpoint/2010/main" val="1889185276"/>
+        <p14:creationId xmlns:p14="http://schemas.microsoft.com/office/powerpoint/2010/main" val="1240138285"/>
       </p:ext>
     </p:extLst>
   </p:cSld>
@@ -12186,7 +12932,7 @@
         <p:spPr bwMode="auto">
           <a:xfrm>
             <a:off x="459225" y="260349"/>
-            <a:ext cx="8505263" cy="682625"/>
+            <a:ext cx="8577271" cy="682625"/>
           </a:xfrm>
           <a:prstGeom prst="rect">
             <a:avLst/>
@@ -12359,7 +13105,7 @@
             <a:pPr marL="271463" indent="-271463"/>
             <a:r>
               <a:rPr lang="da-DK" altLang="da-DK" sz="2800" dirty="0" smtClean="0"/>
-              <a:t>Virtuel studiecafé</a:t>
+              <a:t>Frem mod næste seminar (fortsat)</a:t>
             </a:r>
             <a:endParaRPr lang="da-DK" altLang="da-DK" sz="2800" dirty="0"/>
           </a:p>
@@ -12375,7 +13121,7 @@
         </p:nvSpPr>
         <p:spPr bwMode="auto">
           <a:xfrm>
-            <a:off x="607400" y="1124744"/>
+            <a:off x="539552" y="1124744"/>
             <a:ext cx="8496944" cy="5733256"/>
           </a:xfrm>
           <a:prstGeom prst="rect">
@@ -12541,37 +13287,36 @@
           <a:p>
             <a:pPr marL="271463" lvl="1" indent="-271463">
               <a:spcBef>
-                <a:spcPts val="1800"/>
+                <a:spcPts val="1200"/>
               </a:spcBef>
               <a:buFontTx/>
               <a:buChar char="•"/>
             </a:pPr>
             <a:r>
-              <a:rPr lang="da-DK" sz="1800" b="1" spc="-40" dirty="0" smtClean="0">
+              <a:rPr lang="da-DK" altLang="da-DK" sz="1800" b="1" spc="-40" dirty="0" smtClean="0">
                 <a:solidFill>
                   <a:srgbClr val="A50021"/>
                 </a:solidFill>
               </a:rPr>
-              <a:t>De </a:t>
-            </a:r>
-            <a:r>
-              <a:rPr lang="da-DK" sz="1800" b="1" spc="-40" dirty="0">
-                <a:solidFill>
-                  <a:srgbClr val="A50021"/>
-                </a:solidFill>
-              </a:rPr>
-              <a:t>fredage, hvor der ikke er heldagsseminarer vil der være en virtuel studiecafé, hvor I via Zoom kan få hjælp fra en af instruktorerne.</a:t>
-            </a:r>
+              <a:t>Diskussionsforummet</a:t>
+            </a:r>
+            <a:endParaRPr lang="da-DK" altLang="da-DK" sz="1800" b="1" spc="-40" dirty="0">
+              <a:solidFill>
+                <a:srgbClr val="A50021"/>
+              </a:solidFill>
+            </a:endParaRPr>
           </a:p>
           <a:p>
             <a:pPr marL="742950" lvl="1" indent="-285750">
               <a:spcBef>
                 <a:spcPts val="600"/>
               </a:spcBef>
+              <a:buFontTx/>
+              <a:buChar char="–"/>
             </a:pPr>
             <a:r>
-              <a:rPr lang="da-DK" sz="1600" dirty="0"/>
-              <a:t>I finder et link til det Zoom møderum, der bruges, ved at trykke på Zoom indgangen i den vanderette blå bjælke øverst på denne side. </a:t>
+              <a:rPr lang="da-DK" altLang="da-DK" sz="1600" spc="-70" dirty="0" smtClean="0"/>
+              <a:t>Husk at bruge diskussionsforummet – der får I hurtigt svar (også om aftenen og i weekender)</a:t>
             </a:r>
           </a:p>
           <a:p>
@@ -12579,88 +13324,69 @@
               <a:spcBef>
                 <a:spcPts val="600"/>
               </a:spcBef>
+              <a:buFontTx/>
+              <a:buChar char="–"/>
             </a:pPr>
             <a:r>
-              <a:rPr lang="da-DK" sz="1600" dirty="0" smtClean="0"/>
-              <a:t>Bemærk</a:t>
-            </a:r>
-            <a:r>
-              <a:rPr lang="da-DK" sz="1600" dirty="0"/>
-              <a:t>, at I SKAL logge på AU’s Zoom installation, som beskrevet i vejledningens punkt 2. I skal altid logge ind ved at trykke på </a:t>
-            </a:r>
-            <a:r>
-              <a:rPr lang="da-DK" sz="1600" dirty="0" err="1"/>
-              <a:t>SSO</a:t>
-            </a:r>
-            <a:r>
-              <a:rPr lang="da-DK" sz="1600" dirty="0"/>
-              <a:t>-knappen.</a:t>
-            </a:r>
-          </a:p>
-          <a:p>
-            <a:pPr marL="742950" lvl="1" indent="-285750">
-              <a:spcBef>
-                <a:spcPts val="600"/>
-              </a:spcBef>
-            </a:pPr>
-            <a:r>
-              <a:rPr lang="da-DK" sz="1600" dirty="0"/>
-              <a:t>Man skal ikke tilmeldes. I dukker blot op på Zoom, hvis I ønsker at deltage.</a:t>
-            </a:r>
-          </a:p>
-          <a:p>
-            <a:pPr marL="742950" lvl="1" indent="-285750">
-              <a:spcBef>
-                <a:spcPts val="600"/>
-              </a:spcBef>
-            </a:pPr>
-            <a:r>
-              <a:rPr lang="da-DK" sz="1600" smtClean="0"/>
-              <a:t>Vi </a:t>
-            </a:r>
-            <a:r>
-              <a:rPr lang="da-DK" sz="1600" dirty="0" smtClean="0"/>
-              <a:t>starter kl. 15.30 og fortsætter frem til ca. 17.00</a:t>
-            </a:r>
-          </a:p>
-          <a:p>
-            <a:pPr marL="742950" lvl="1" indent="-285750">
-              <a:spcBef>
-                <a:spcPts val="600"/>
-              </a:spcBef>
-            </a:pPr>
-            <a:r>
-              <a:rPr lang="da-DK" sz="1600" dirty="0" smtClean="0"/>
-              <a:t>Kom </a:t>
-            </a:r>
-            <a:r>
-              <a:rPr lang="da-DK" sz="1600" dirty="0"/>
-              <a:t>så tidligt som </a:t>
-            </a:r>
-            <a:r>
-              <a:rPr lang="da-DK" sz="1600" dirty="0" smtClean="0"/>
-              <a:t>muligt. Instruktoren </a:t>
-            </a:r>
-            <a:r>
-              <a:rPr lang="da-DK" sz="1600" dirty="0"/>
-              <a:t>går, når der ikke er flere, der ønsker hjælp.</a:t>
+              <a:rPr lang="da-DK" altLang="da-DK" sz="1600" dirty="0" smtClean="0"/>
+              <a:t>Vi vil nødigt have mails fra jer (med mindre det er om ting, der ikke vedrører andre)</a:t>
             </a:r>
           </a:p>
           <a:p>
             <a:pPr marL="271463" lvl="1" indent="-271463">
               <a:spcBef>
-                <a:spcPts val="1800"/>
+                <a:spcPts val="1200"/>
               </a:spcBef>
               <a:buFontTx/>
               <a:buChar char="•"/>
             </a:pPr>
             <a:r>
-              <a:rPr lang="da-DK" sz="1800" b="1" spc="-40" dirty="0">
+              <a:rPr lang="da-DK" altLang="da-DK" sz="1800" b="1" spc="-40" dirty="0" smtClean="0">
                 <a:solidFill>
                   <a:srgbClr val="A50021"/>
                 </a:solidFill>
               </a:rPr>
-              <a:t>I kan også bruge Studiecaféen til at stille spørgsmål omkring:</a:t>
+              <a:t>Hvis </a:t>
+            </a:r>
+            <a:r>
+              <a:rPr lang="da-DK" altLang="da-DK" sz="1800" b="1" spc="-40" dirty="0">
+                <a:solidFill>
+                  <a:srgbClr val="A50021"/>
+                </a:solidFill>
+              </a:rPr>
+              <a:t>I ønsker </a:t>
+            </a:r>
+            <a:r>
+              <a:rPr lang="da-DK" altLang="da-DK" sz="1800" b="1" spc="-40" dirty="0" smtClean="0">
+                <a:solidFill>
+                  <a:srgbClr val="A50021"/>
+                </a:solidFill>
+              </a:rPr>
+              <a:t>det, kan </a:t>
+            </a:r>
+            <a:r>
+              <a:rPr lang="da-DK" altLang="da-DK" sz="1800" b="1" spc="-40" dirty="0">
+                <a:solidFill>
+                  <a:srgbClr val="A50021"/>
+                </a:solidFill>
+              </a:rPr>
+              <a:t>I arbejde sammen med </a:t>
+            </a:r>
+            <a:r>
+              <a:rPr lang="da-DK" altLang="da-DK" sz="1800" b="1" spc="-40" dirty="0" smtClean="0">
+                <a:solidFill>
+                  <a:srgbClr val="A50021"/>
+                </a:solidFill>
+              </a:rPr>
+              <a:t>jeres </a:t>
+            </a:r>
+            <a:r>
+              <a:rPr lang="da-DK" altLang="da-DK" sz="1800" b="1" spc="-40" dirty="0">
+                <a:solidFill>
+                  <a:srgbClr val="A50021"/>
+                </a:solidFill>
+              </a:rPr>
+              <a:t>makker via Zoom</a:t>
             </a:r>
           </a:p>
           <a:p>
@@ -12670,9 +13396,63 @@
               </a:spcBef>
             </a:pPr>
             <a:r>
-              <a:rPr lang="da-DK" sz="1600" dirty="0"/>
-              <a:t>Jeres tidligere afleveringer (og instruktorens kommentarerne til dem),</a:t>
-            </a:r>
+              <a:rPr lang="da-DK" altLang="da-DK" sz="1600" dirty="0" smtClean="0"/>
+              <a:t>På siden ”Installation og brug af Zoom” under ”Info om kurset (inklusiv nyttige links)” </a:t>
+            </a:r>
+            <a:r>
+              <a:rPr lang="da-DK" altLang="da-DK" sz="1600" dirty="0"/>
+              <a:t>er det </a:t>
+            </a:r>
+            <a:r>
+              <a:rPr lang="da-DK" altLang="da-DK" sz="1600" dirty="0" smtClean="0"/>
+              <a:t>forklaret, </a:t>
+            </a:r>
+            <a:r>
+              <a:rPr lang="da-DK" altLang="da-DK" sz="1600" dirty="0"/>
+              <a:t>hvordan man selv laver et </a:t>
+            </a:r>
+            <a:r>
+              <a:rPr lang="da-DK" altLang="da-DK" sz="1600" dirty="0" smtClean="0"/>
+              <a:t>møde</a:t>
+            </a:r>
+          </a:p>
+          <a:p>
+            <a:pPr marL="271463" lvl="1" indent="-271463">
+              <a:spcBef>
+                <a:spcPts val="1200"/>
+              </a:spcBef>
+              <a:buFontTx/>
+              <a:buChar char="•"/>
+            </a:pPr>
+            <a:r>
+              <a:rPr lang="da-DK" altLang="da-DK" sz="1800" b="1" spc="-40" dirty="0" smtClean="0">
+                <a:solidFill>
+                  <a:srgbClr val="A50021"/>
+                </a:solidFill>
+              </a:rPr>
+              <a:t>Testserveren </a:t>
+            </a:r>
+            <a:r>
+              <a:rPr lang="da-DK" altLang="da-DK" sz="1800" b="1" spc="-40" dirty="0">
+                <a:solidFill>
+                  <a:srgbClr val="A50021"/>
+                </a:solidFill>
+              </a:rPr>
+              <a:t>husker jeres adgangskode og </a:t>
+            </a:r>
+            <a:r>
+              <a:rPr lang="da-DK" altLang="da-DK" sz="1800" b="1" spc="-40" dirty="0" smtClean="0">
+                <a:solidFill>
+                  <a:srgbClr val="A50021"/>
+                </a:solidFill>
+              </a:rPr>
+              <a:t>password fra gang til gang</a:t>
+            </a:r>
+            <a:endParaRPr lang="da-DK" altLang="da-DK" sz="1800" b="1" spc="-40" dirty="0">
+              <a:solidFill>
+                <a:srgbClr val="A50021"/>
+              </a:solidFill>
+            </a:endParaRPr>
           </a:p>
           <a:p>
             <a:pPr marL="742950" lvl="1" indent="-285750">
@@ -12681,24 +13461,10 @@
               </a:spcBef>
             </a:pPr>
             <a:r>
-              <a:rPr lang="da-DK" sz="1600" dirty="0"/>
-              <a:t>BlueJ bogen og mine slides,</a:t>
-            </a:r>
-          </a:p>
-          <a:p>
-            <a:pPr marL="742950" lvl="1" indent="-285750">
-              <a:spcBef>
-                <a:spcPts val="600"/>
-              </a:spcBef>
-            </a:pPr>
-            <a:r>
-              <a:rPr lang="da-DK" sz="1600" dirty="0" smtClean="0"/>
-              <a:t>Alt </a:t>
-            </a:r>
-            <a:r>
-              <a:rPr lang="da-DK" sz="1600" dirty="0"/>
-              <a:t>andet, som I har problemer med.</a:t>
-            </a:r>
+              <a:rPr lang="da-DK" altLang="da-DK" sz="1600" dirty="0" smtClean="0"/>
+              <a:t>Hvis I sender et projekt til jeres makker, bør denne fjerne filen upload-data.dat (der ligger i mappen for det enkelte BlueJ projekt), således at der køres under det rigtige navn</a:t>
+            </a:r>
+            <a:endParaRPr lang="da-DK" altLang="da-DK" sz="1600" dirty="0"/>
           </a:p>
           <a:p>
             <a:pPr marL="742950" lvl="1" indent="-285750">
@@ -12715,7 +13481,7 @@
     </p:spTree>
     <p:extLst>
       <p:ext uri="{BB962C8B-B14F-4D97-AF65-F5344CB8AC3E}">
-        <p14:creationId xmlns:p14="http://schemas.microsoft.com/office/powerpoint/2010/main" val="198881662"/>
+        <p14:creationId xmlns:p14="http://schemas.microsoft.com/office/powerpoint/2010/main" val="1889185276"/>
       </p:ext>
     </p:extLst>
   </p:cSld>
